--- a/Chapter 1/20174067, 강범수, Chapter 1.pptx
+++ b/Chapter 1/20174067, 강범수, Chapter 1.pptx
@@ -116,6 +116,11 @@
       </a:defRPr>
     </a:lvl9pPr>
   </p:defaultTextStyle>
+  <p:extLst>
+    <p:ext uri="{EFAFB233-063F-42B5-8137-9DF3F51BA10A}">
+      <p15:sldGuideLst xmlns:p15="http://schemas.microsoft.com/office/powerpoint/2012/main"/>
+    </p:ext>
+  </p:extLst>
 </p:presentation>
 </file>
 
@@ -723,7 +728,7 @@
           </a:lstStyle>
           <a:p>
             <a:r>
-              <a:rPr lang="ko-KR" altLang="en-US" smtClean="0"/>
+              <a:rPr lang="ko-KR" altLang="en-US"/>
               <a:t>마스터 제목 스타일 편집</a:t>
             </a:r>
             <a:endParaRPr lang="en-US" dirty="0"/>
@@ -843,7 +848,7 @@
           </a:lstStyle>
           <a:p>
             <a:r>
-              <a:rPr lang="ko-KR" altLang="en-US" smtClean="0"/>
+              <a:rPr lang="ko-KR" altLang="en-US"/>
               <a:t>클릭하여 마스터 부제목 스타일 편집</a:t>
             </a:r>
             <a:endParaRPr lang="en-US" dirty="0"/>
@@ -868,7 +873,7 @@
             <a:fld id="{B61BEF0D-F0BB-DE4B-95CE-6DB70DBA9567}" type="datetimeFigureOut">
               <a:rPr lang="en-US" dirty="0"/>
               <a:pPr/>
-              <a:t>3/11/2017</a:t>
+              <a:t>3/13/2017</a:t>
             </a:fld>
             <a:endParaRPr lang="en-US" dirty="0"/>
           </a:p>
@@ -969,7 +974,7 @@
           </a:lstStyle>
           <a:p>
             <a:r>
-              <a:rPr lang="ko-KR" altLang="en-US" smtClean="0"/>
+              <a:rPr lang="ko-KR" altLang="en-US"/>
               <a:t>마스터 제목 스타일 편집</a:t>
             </a:r>
             <a:endParaRPr lang="en-US" dirty="0"/>
@@ -1092,7 +1097,7 @@
           <a:p>
             <a:pPr lvl="0"/>
             <a:r>
-              <a:rPr lang="ko-KR" altLang="en-US" smtClean="0"/>
+              <a:rPr lang="ko-KR" altLang="en-US"/>
               <a:t>마스터 텍스트 스타일 편집</a:t>
             </a:r>
           </a:p>
@@ -1116,7 +1121,7 @@
             <a:fld id="{B61BEF0D-F0BB-DE4B-95CE-6DB70DBA9567}" type="datetimeFigureOut">
               <a:rPr lang="en-US" dirty="0"/>
               <a:pPr/>
-              <a:t>3/11/2017</a:t>
+              <a:t>3/13/2017</a:t>
             </a:fld>
             <a:endParaRPr lang="en-US" dirty="0"/>
           </a:p>
@@ -1217,7 +1222,7 @@
           </a:lstStyle>
           <a:p>
             <a:r>
-              <a:rPr lang="ko-KR" altLang="en-US" smtClean="0"/>
+              <a:rPr lang="ko-KR" altLang="en-US"/>
               <a:t>마스터 제목 스타일 편집</a:t>
             </a:r>
             <a:endParaRPr lang="en-US" dirty="0"/>
@@ -1281,7 +1286,7 @@
           <a:p>
             <a:pPr lvl="0"/>
             <a:r>
-              <a:rPr lang="ko-KR" altLang="en-US" smtClean="0"/>
+              <a:rPr lang="ko-KR" altLang="en-US"/>
               <a:t>마스터 텍스트 스타일 편집</a:t>
             </a:r>
           </a:p>
@@ -1403,7 +1408,7 @@
           <a:p>
             <a:pPr lvl="0"/>
             <a:r>
-              <a:rPr lang="ko-KR" altLang="en-US" smtClean="0"/>
+              <a:rPr lang="ko-KR" altLang="en-US"/>
               <a:t>마스터 텍스트 스타일 편집</a:t>
             </a:r>
           </a:p>
@@ -1427,7 +1432,7 @@
             <a:fld id="{B61BEF0D-F0BB-DE4B-95CE-6DB70DBA9567}" type="datetimeFigureOut">
               <a:rPr lang="en-US" dirty="0"/>
               <a:pPr/>
-              <a:t>3/11/2017</a:t>
+              <a:t>3/13/2017</a:t>
             </a:fld>
             <a:endParaRPr lang="en-US" dirty="0"/>
           </a:p>
@@ -1618,7 +1623,7 @@
           </a:lstStyle>
           <a:p>
             <a:r>
-              <a:rPr lang="ko-KR" altLang="en-US" smtClean="0"/>
+              <a:rPr lang="ko-KR" altLang="en-US"/>
               <a:t>마스터 제목 스타일 편집</a:t>
             </a:r>
             <a:endParaRPr lang="en-US" dirty="0"/>
@@ -1741,7 +1746,7 @@
           <a:p>
             <a:pPr lvl="0"/>
             <a:r>
-              <a:rPr lang="ko-KR" altLang="en-US" smtClean="0"/>
+              <a:rPr lang="ko-KR" altLang="en-US"/>
               <a:t>마스터 텍스트 스타일 편집</a:t>
             </a:r>
           </a:p>
@@ -1765,7 +1770,7 @@
             <a:fld id="{B61BEF0D-F0BB-DE4B-95CE-6DB70DBA9567}" type="datetimeFigureOut">
               <a:rPr lang="en-US" dirty="0"/>
               <a:pPr/>
-              <a:t>3/11/2017</a:t>
+              <a:t>3/13/2017</a:t>
             </a:fld>
             <a:endParaRPr lang="en-US" dirty="0"/>
           </a:p>
@@ -1866,7 +1871,7 @@
           </a:lstStyle>
           <a:p>
             <a:r>
-              <a:rPr lang="ko-KR" altLang="en-US" smtClean="0"/>
+              <a:rPr lang="ko-KR" altLang="en-US"/>
               <a:t>마스터 제목 스타일 편집</a:t>
             </a:r>
             <a:endParaRPr lang="en-US" dirty="0"/>
@@ -1930,7 +1935,7 @@
           <a:p>
             <a:pPr lvl="0"/>
             <a:r>
-              <a:rPr lang="ko-KR" altLang="en-US" smtClean="0"/>
+              <a:rPr lang="ko-KR" altLang="en-US"/>
               <a:t>마스터 텍스트 스타일 편집</a:t>
             </a:r>
           </a:p>
@@ -2052,7 +2057,7 @@
           <a:p>
             <a:pPr lvl="0"/>
             <a:r>
-              <a:rPr lang="ko-KR" altLang="en-US" smtClean="0"/>
+              <a:rPr lang="ko-KR" altLang="en-US"/>
               <a:t>마스터 텍스트 스타일 편집</a:t>
             </a:r>
           </a:p>
@@ -2076,7 +2081,7 @@
             <a:fld id="{B61BEF0D-F0BB-DE4B-95CE-6DB70DBA9567}" type="datetimeFigureOut">
               <a:rPr lang="en-US" dirty="0"/>
               <a:pPr/>
-              <a:t>3/11/2017</a:t>
+              <a:t>3/13/2017</a:t>
             </a:fld>
             <a:endParaRPr lang="en-US" dirty="0"/>
           </a:p>
@@ -2259,7 +2264,7 @@
           </a:lstStyle>
           <a:p>
             <a:r>
-              <a:rPr lang="ko-KR" altLang="en-US" smtClean="0"/>
+              <a:rPr lang="ko-KR" altLang="en-US"/>
               <a:t>마스터 제목 스타일 편집</a:t>
             </a:r>
             <a:endParaRPr lang="en-US" dirty="0"/>
@@ -2320,7 +2325,7 @@
           <a:p>
             <a:pPr lvl="0"/>
             <a:r>
-              <a:rPr lang="ko-KR" altLang="en-US" smtClean="0"/>
+              <a:rPr lang="ko-KR" altLang="en-US"/>
               <a:t>마스터 텍스트 스타일 편집</a:t>
             </a:r>
           </a:p>
@@ -2442,7 +2447,7 @@
           <a:p>
             <a:pPr lvl="0"/>
             <a:r>
-              <a:rPr lang="ko-KR" altLang="en-US" smtClean="0"/>
+              <a:rPr lang="ko-KR" altLang="en-US"/>
               <a:t>마스터 텍스트 스타일 편집</a:t>
             </a:r>
           </a:p>
@@ -2466,7 +2471,7 @@
             <a:fld id="{B61BEF0D-F0BB-DE4B-95CE-6DB70DBA9567}" type="datetimeFigureOut">
               <a:rPr lang="en-US" dirty="0"/>
               <a:pPr/>
-              <a:t>3/11/2017</a:t>
+              <a:t>3/13/2017</a:t>
             </a:fld>
             <a:endParaRPr lang="en-US" dirty="0"/>
           </a:p>
@@ -2556,7 +2561,7 @@
           <a:lstStyle/>
           <a:p>
             <a:r>
-              <a:rPr lang="ko-KR" altLang="en-US" smtClean="0"/>
+              <a:rPr lang="ko-KR" altLang="en-US"/>
               <a:t>마스터 제목 스타일 편집</a:t>
             </a:r>
             <a:endParaRPr lang="en-US" dirty="0"/>
@@ -2580,35 +2585,35 @@
           <a:p>
             <a:pPr lvl="0"/>
             <a:r>
-              <a:rPr lang="ko-KR" altLang="en-US" smtClean="0"/>
+              <a:rPr lang="ko-KR" altLang="en-US"/>
               <a:t>마스터 텍스트 스타일 편집</a:t>
             </a:r>
           </a:p>
           <a:p>
             <a:pPr lvl="1"/>
             <a:r>
-              <a:rPr lang="ko-KR" altLang="en-US" smtClean="0"/>
+              <a:rPr lang="ko-KR" altLang="en-US"/>
               <a:t>둘째 수준</a:t>
             </a:r>
           </a:p>
           <a:p>
             <a:pPr lvl="2"/>
             <a:r>
-              <a:rPr lang="ko-KR" altLang="en-US" smtClean="0"/>
+              <a:rPr lang="ko-KR" altLang="en-US"/>
               <a:t>셋째 수준</a:t>
             </a:r>
           </a:p>
           <a:p>
             <a:pPr lvl="3"/>
             <a:r>
-              <a:rPr lang="ko-KR" altLang="en-US" smtClean="0"/>
+              <a:rPr lang="ko-KR" altLang="en-US"/>
               <a:t>넷째 수준</a:t>
             </a:r>
           </a:p>
           <a:p>
             <a:pPr lvl="4"/>
             <a:r>
-              <a:rPr lang="ko-KR" altLang="en-US" smtClean="0"/>
+              <a:rPr lang="ko-KR" altLang="en-US"/>
               <a:t>다섯째 수준</a:t>
             </a:r>
             <a:endParaRPr lang="en-US" dirty="0"/>
@@ -2632,7 +2637,7 @@
           <a:p>
             <a:fld id="{55C6B4A9-1611-4792-9094-5F34BCA07E0B}" type="datetimeFigureOut">
               <a:rPr lang="en-US" dirty="0"/>
-              <a:t>3/11/2017</a:t>
+              <a:t>3/13/2017</a:t>
             </a:fld>
             <a:endParaRPr lang="en-US" dirty="0"/>
           </a:p>
@@ -2726,7 +2731,7 @@
           <a:lstStyle/>
           <a:p>
             <a:r>
-              <a:rPr lang="ko-KR" altLang="en-US" smtClean="0"/>
+              <a:rPr lang="ko-KR" altLang="en-US"/>
               <a:t>마스터 제목 스타일 편집</a:t>
             </a:r>
             <a:endParaRPr lang="en-US" dirty="0"/>
@@ -2755,35 +2760,35 @@
           <a:p>
             <a:pPr lvl="0"/>
             <a:r>
-              <a:rPr lang="ko-KR" altLang="en-US" smtClean="0"/>
+              <a:rPr lang="ko-KR" altLang="en-US"/>
               <a:t>마스터 텍스트 스타일 편집</a:t>
             </a:r>
           </a:p>
           <a:p>
             <a:pPr lvl="1"/>
             <a:r>
-              <a:rPr lang="ko-KR" altLang="en-US" smtClean="0"/>
+              <a:rPr lang="ko-KR" altLang="en-US"/>
               <a:t>둘째 수준</a:t>
             </a:r>
           </a:p>
           <a:p>
             <a:pPr lvl="2"/>
             <a:r>
-              <a:rPr lang="ko-KR" altLang="en-US" smtClean="0"/>
+              <a:rPr lang="ko-KR" altLang="en-US"/>
               <a:t>셋째 수준</a:t>
             </a:r>
           </a:p>
           <a:p>
             <a:pPr lvl="3"/>
             <a:r>
-              <a:rPr lang="ko-KR" altLang="en-US" smtClean="0"/>
+              <a:rPr lang="ko-KR" altLang="en-US"/>
               <a:t>넷째 수준</a:t>
             </a:r>
           </a:p>
           <a:p>
             <a:pPr lvl="4"/>
             <a:r>
-              <a:rPr lang="ko-KR" altLang="en-US" smtClean="0"/>
+              <a:rPr lang="ko-KR" altLang="en-US"/>
               <a:t>다섯째 수준</a:t>
             </a:r>
             <a:endParaRPr lang="en-US" dirty="0"/>
@@ -2808,7 +2813,7 @@
             <a:fld id="{B61BEF0D-F0BB-DE4B-95CE-6DB70DBA9567}" type="datetimeFigureOut">
               <a:rPr lang="en-US" dirty="0"/>
               <a:pPr/>
-              <a:t>3/11/2017</a:t>
+              <a:t>3/13/2017</a:t>
             </a:fld>
             <a:endParaRPr lang="en-US" dirty="0"/>
           </a:p>
@@ -2909,7 +2914,7 @@
           </a:lstStyle>
           <a:p>
             <a:r>
-              <a:rPr lang="ko-KR" altLang="en-US" smtClean="0"/>
+              <a:rPr lang="ko-KR" altLang="en-US"/>
               <a:t>마스터 제목 스타일 편집</a:t>
             </a:r>
             <a:endParaRPr lang="en-US" dirty="0"/>
@@ -2933,35 +2938,35 @@
           <a:p>
             <a:pPr lvl="0"/>
             <a:r>
-              <a:rPr lang="ko-KR" altLang="en-US" smtClean="0"/>
+              <a:rPr lang="ko-KR" altLang="en-US"/>
               <a:t>마스터 텍스트 스타일 편집</a:t>
             </a:r>
           </a:p>
           <a:p>
             <a:pPr lvl="1"/>
             <a:r>
-              <a:rPr lang="ko-KR" altLang="en-US" smtClean="0"/>
+              <a:rPr lang="ko-KR" altLang="en-US"/>
               <a:t>둘째 수준</a:t>
             </a:r>
           </a:p>
           <a:p>
             <a:pPr lvl="2"/>
             <a:r>
-              <a:rPr lang="ko-KR" altLang="en-US" smtClean="0"/>
+              <a:rPr lang="ko-KR" altLang="en-US"/>
               <a:t>셋째 수준</a:t>
             </a:r>
           </a:p>
           <a:p>
             <a:pPr lvl="3"/>
             <a:r>
-              <a:rPr lang="ko-KR" altLang="en-US" smtClean="0"/>
+              <a:rPr lang="ko-KR" altLang="en-US"/>
               <a:t>넷째 수준</a:t>
             </a:r>
           </a:p>
           <a:p>
             <a:pPr lvl="4"/>
             <a:r>
-              <a:rPr lang="ko-KR" altLang="en-US" smtClean="0"/>
+              <a:rPr lang="ko-KR" altLang="en-US"/>
               <a:t>다섯째 수준</a:t>
             </a:r>
             <a:endParaRPr lang="en-US" dirty="0"/>
@@ -2986,7 +2991,7 @@
             <a:fld id="{B61BEF0D-F0BB-DE4B-95CE-6DB70DBA9567}" type="datetimeFigureOut">
               <a:rPr lang="en-US" dirty="0"/>
               <a:pPr/>
-              <a:t>3/11/2017</a:t>
+              <a:t>3/13/2017</a:t>
             </a:fld>
             <a:endParaRPr lang="en-US" dirty="0"/>
           </a:p>
@@ -3085,7 +3090,7 @@
           </a:lstStyle>
           <a:p>
             <a:r>
-              <a:rPr lang="ko-KR" altLang="en-US" smtClean="0"/>
+              <a:rPr lang="ko-KR" altLang="en-US"/>
               <a:t>마스터 제목 스타일 편집</a:t>
             </a:r>
             <a:endParaRPr lang="en-US" dirty="0"/>
@@ -3206,7 +3211,7 @@
           <a:p>
             <a:pPr lvl="0"/>
             <a:r>
-              <a:rPr lang="ko-KR" altLang="en-US" smtClean="0"/>
+              <a:rPr lang="ko-KR" altLang="en-US"/>
               <a:t>마스터 텍스트 스타일 편집</a:t>
             </a:r>
           </a:p>
@@ -3230,7 +3235,7 @@
             <a:fld id="{B61BEF0D-F0BB-DE4B-95CE-6DB70DBA9567}" type="datetimeFigureOut">
               <a:rPr lang="en-US" dirty="0"/>
               <a:pPr/>
-              <a:t>3/11/2017</a:t>
+              <a:t>3/13/2017</a:t>
             </a:fld>
             <a:endParaRPr lang="en-US" dirty="0"/>
           </a:p>
@@ -3320,7 +3325,7 @@
           <a:lstStyle/>
           <a:p>
             <a:r>
-              <a:rPr lang="ko-KR" altLang="en-US" smtClean="0"/>
+              <a:rPr lang="ko-KR" altLang="en-US"/>
               <a:t>마스터 제목 스타일 편집</a:t>
             </a:r>
             <a:endParaRPr lang="en-US" dirty="0"/>
@@ -3349,35 +3354,35 @@
           <a:p>
             <a:pPr lvl="0"/>
             <a:r>
-              <a:rPr lang="ko-KR" altLang="en-US" smtClean="0"/>
+              <a:rPr lang="ko-KR" altLang="en-US"/>
               <a:t>마스터 텍스트 스타일 편집</a:t>
             </a:r>
           </a:p>
           <a:p>
             <a:pPr lvl="1"/>
             <a:r>
-              <a:rPr lang="ko-KR" altLang="en-US" smtClean="0"/>
+              <a:rPr lang="ko-KR" altLang="en-US"/>
               <a:t>둘째 수준</a:t>
             </a:r>
           </a:p>
           <a:p>
             <a:pPr lvl="2"/>
             <a:r>
-              <a:rPr lang="ko-KR" altLang="en-US" smtClean="0"/>
+              <a:rPr lang="ko-KR" altLang="en-US"/>
               <a:t>셋째 수준</a:t>
             </a:r>
           </a:p>
           <a:p>
             <a:pPr lvl="3"/>
             <a:r>
-              <a:rPr lang="ko-KR" altLang="en-US" smtClean="0"/>
+              <a:rPr lang="ko-KR" altLang="en-US"/>
               <a:t>넷째 수준</a:t>
             </a:r>
           </a:p>
           <a:p>
             <a:pPr lvl="4"/>
             <a:r>
-              <a:rPr lang="ko-KR" altLang="en-US" smtClean="0"/>
+              <a:rPr lang="ko-KR" altLang="en-US"/>
               <a:t>다섯째 수준</a:t>
             </a:r>
             <a:endParaRPr lang="en-US" dirty="0"/>
@@ -3406,35 +3411,35 @@
           <a:p>
             <a:pPr lvl="0"/>
             <a:r>
-              <a:rPr lang="ko-KR" altLang="en-US" smtClean="0"/>
+              <a:rPr lang="ko-KR" altLang="en-US"/>
               <a:t>마스터 텍스트 스타일 편집</a:t>
             </a:r>
           </a:p>
           <a:p>
             <a:pPr lvl="1"/>
             <a:r>
-              <a:rPr lang="ko-KR" altLang="en-US" smtClean="0"/>
+              <a:rPr lang="ko-KR" altLang="en-US"/>
               <a:t>둘째 수준</a:t>
             </a:r>
           </a:p>
           <a:p>
             <a:pPr lvl="2"/>
             <a:r>
-              <a:rPr lang="ko-KR" altLang="en-US" smtClean="0"/>
+              <a:rPr lang="ko-KR" altLang="en-US"/>
               <a:t>셋째 수준</a:t>
             </a:r>
           </a:p>
           <a:p>
             <a:pPr lvl="3"/>
             <a:r>
-              <a:rPr lang="ko-KR" altLang="en-US" smtClean="0"/>
+              <a:rPr lang="ko-KR" altLang="en-US"/>
               <a:t>넷째 수준</a:t>
             </a:r>
           </a:p>
           <a:p>
             <a:pPr lvl="4"/>
             <a:r>
-              <a:rPr lang="ko-KR" altLang="en-US" smtClean="0"/>
+              <a:rPr lang="ko-KR" altLang="en-US"/>
               <a:t>다섯째 수준</a:t>
             </a:r>
             <a:endParaRPr lang="en-US" dirty="0"/>
@@ -3458,7 +3463,7 @@
           <a:p>
             <a:fld id="{EB712588-04B1-427B-82EE-E8DB90309F08}" type="datetimeFigureOut">
               <a:rPr lang="en-US" dirty="0"/>
-              <a:t>3/11/2017</a:t>
+              <a:t>3/13/2017</a:t>
             </a:fld>
             <a:endParaRPr lang="en-US" dirty="0"/>
           </a:p>
@@ -3551,7 +3556,7 @@
           </a:lstStyle>
           <a:p>
             <a:r>
-              <a:rPr lang="ko-KR" altLang="en-US" smtClean="0"/>
+              <a:rPr lang="ko-KR" altLang="en-US"/>
               <a:t>마스터 제목 스타일 편집</a:t>
             </a:r>
             <a:endParaRPr lang="en-US" dirty="0"/>
@@ -3619,7 +3624,7 @@
           <a:p>
             <a:pPr lvl="0"/>
             <a:r>
-              <a:rPr lang="ko-KR" altLang="en-US" smtClean="0"/>
+              <a:rPr lang="ko-KR" altLang="en-US"/>
               <a:t>마스터 텍스트 스타일 편집</a:t>
             </a:r>
           </a:p>
@@ -3649,35 +3654,35 @@
           <a:p>
             <a:pPr lvl="0"/>
             <a:r>
-              <a:rPr lang="ko-KR" altLang="en-US" smtClean="0"/>
+              <a:rPr lang="ko-KR" altLang="en-US"/>
               <a:t>마스터 텍스트 스타일 편집</a:t>
             </a:r>
           </a:p>
           <a:p>
             <a:pPr lvl="1"/>
             <a:r>
-              <a:rPr lang="ko-KR" altLang="en-US" smtClean="0"/>
+              <a:rPr lang="ko-KR" altLang="en-US"/>
               <a:t>둘째 수준</a:t>
             </a:r>
           </a:p>
           <a:p>
             <a:pPr lvl="2"/>
             <a:r>
-              <a:rPr lang="ko-KR" altLang="en-US" smtClean="0"/>
+              <a:rPr lang="ko-KR" altLang="en-US"/>
               <a:t>셋째 수준</a:t>
             </a:r>
           </a:p>
           <a:p>
             <a:pPr lvl="3"/>
             <a:r>
-              <a:rPr lang="ko-KR" altLang="en-US" smtClean="0"/>
+              <a:rPr lang="ko-KR" altLang="en-US"/>
               <a:t>넷째 수준</a:t>
             </a:r>
           </a:p>
           <a:p>
             <a:pPr lvl="4"/>
             <a:r>
-              <a:rPr lang="ko-KR" altLang="en-US" smtClean="0"/>
+              <a:rPr lang="ko-KR" altLang="en-US"/>
               <a:t>다섯째 수준</a:t>
             </a:r>
             <a:endParaRPr lang="en-US" dirty="0"/>
@@ -3745,7 +3750,7 @@
           <a:p>
             <a:pPr lvl="0"/>
             <a:r>
-              <a:rPr lang="ko-KR" altLang="en-US" smtClean="0"/>
+              <a:rPr lang="ko-KR" altLang="en-US"/>
               <a:t>마스터 텍스트 스타일 편집</a:t>
             </a:r>
           </a:p>
@@ -3775,35 +3780,35 @@
           <a:p>
             <a:pPr lvl="0"/>
             <a:r>
-              <a:rPr lang="ko-KR" altLang="en-US" smtClean="0"/>
+              <a:rPr lang="ko-KR" altLang="en-US"/>
               <a:t>마스터 텍스트 스타일 편집</a:t>
             </a:r>
           </a:p>
           <a:p>
             <a:pPr lvl="1"/>
             <a:r>
-              <a:rPr lang="ko-KR" altLang="en-US" smtClean="0"/>
+              <a:rPr lang="ko-KR" altLang="en-US"/>
               <a:t>둘째 수준</a:t>
             </a:r>
           </a:p>
           <a:p>
             <a:pPr lvl="2"/>
             <a:r>
-              <a:rPr lang="ko-KR" altLang="en-US" smtClean="0"/>
+              <a:rPr lang="ko-KR" altLang="en-US"/>
               <a:t>셋째 수준</a:t>
             </a:r>
           </a:p>
           <a:p>
             <a:pPr lvl="3"/>
             <a:r>
-              <a:rPr lang="ko-KR" altLang="en-US" smtClean="0"/>
+              <a:rPr lang="ko-KR" altLang="en-US"/>
               <a:t>넷째 수준</a:t>
             </a:r>
           </a:p>
           <a:p>
             <a:pPr lvl="4"/>
             <a:r>
-              <a:rPr lang="ko-KR" altLang="en-US" smtClean="0"/>
+              <a:rPr lang="ko-KR" altLang="en-US"/>
               <a:t>다섯째 수준</a:t>
             </a:r>
             <a:endParaRPr lang="en-US" dirty="0"/>
@@ -3828,7 +3833,7 @@
             <a:fld id="{B61BEF0D-F0BB-DE4B-95CE-6DB70DBA9567}" type="datetimeFigureOut">
               <a:rPr lang="en-US" dirty="0"/>
               <a:pPr/>
-              <a:t>3/11/2017</a:t>
+              <a:t>3/13/2017</a:t>
             </a:fld>
             <a:endParaRPr lang="en-US" dirty="0"/>
           </a:p>
@@ -3923,7 +3928,7 @@
           <a:lstStyle/>
           <a:p>
             <a:r>
-              <a:rPr lang="ko-KR" altLang="en-US" smtClean="0"/>
+              <a:rPr lang="ko-KR" altLang="en-US"/>
               <a:t>마스터 제목 스타일 편집</a:t>
             </a:r>
             <a:endParaRPr lang="en-US" dirty="0"/>
@@ -3948,7 +3953,7 @@
             <a:fld id="{B61BEF0D-F0BB-DE4B-95CE-6DB70DBA9567}" type="datetimeFigureOut">
               <a:rPr lang="en-US" dirty="0"/>
               <a:pPr/>
-              <a:t>3/11/2017</a:t>
+              <a:t>3/13/2017</a:t>
             </a:fld>
             <a:endParaRPr lang="en-US" dirty="0"/>
           </a:p>
@@ -4040,7 +4045,7 @@
             <a:fld id="{B61BEF0D-F0BB-DE4B-95CE-6DB70DBA9567}" type="datetimeFigureOut">
               <a:rPr lang="en-US" dirty="0"/>
               <a:pPr/>
-              <a:t>3/11/2017</a:t>
+              <a:t>3/13/2017</a:t>
             </a:fld>
             <a:endParaRPr lang="en-US" dirty="0"/>
           </a:p>
@@ -4141,7 +4146,7 @@
           </a:lstStyle>
           <a:p>
             <a:r>
-              <a:rPr lang="ko-KR" altLang="en-US" smtClean="0"/>
+              <a:rPr lang="ko-KR" altLang="en-US"/>
               <a:t>마스터 제목 스타일 편집</a:t>
             </a:r>
             <a:endParaRPr lang="en-US" dirty="0"/>
@@ -4172,35 +4177,35 @@
           <a:p>
             <a:pPr lvl="0"/>
             <a:r>
-              <a:rPr lang="ko-KR" altLang="en-US" smtClean="0"/>
+              <a:rPr lang="ko-KR" altLang="en-US"/>
               <a:t>마스터 텍스트 스타일 편집</a:t>
             </a:r>
           </a:p>
           <a:p>
             <a:pPr lvl="1"/>
             <a:r>
-              <a:rPr lang="ko-KR" altLang="en-US" smtClean="0"/>
+              <a:rPr lang="ko-KR" altLang="en-US"/>
               <a:t>둘째 수준</a:t>
             </a:r>
           </a:p>
           <a:p>
             <a:pPr lvl="2"/>
             <a:r>
-              <a:rPr lang="ko-KR" altLang="en-US" smtClean="0"/>
+              <a:rPr lang="ko-KR" altLang="en-US"/>
               <a:t>셋째 수준</a:t>
             </a:r>
           </a:p>
           <a:p>
             <a:pPr lvl="3"/>
             <a:r>
-              <a:rPr lang="ko-KR" altLang="en-US" smtClean="0"/>
+              <a:rPr lang="ko-KR" altLang="en-US"/>
               <a:t>넷째 수준</a:t>
             </a:r>
           </a:p>
           <a:p>
             <a:pPr lvl="4"/>
             <a:r>
-              <a:rPr lang="ko-KR" altLang="en-US" smtClean="0"/>
+              <a:rPr lang="ko-KR" altLang="en-US"/>
               <a:t>다섯째 수준</a:t>
             </a:r>
             <a:endParaRPr lang="en-US" dirty="0"/>
@@ -4268,7 +4273,7 @@
           <a:p>
             <a:pPr lvl="0"/>
             <a:r>
-              <a:rPr lang="ko-KR" altLang="en-US" smtClean="0"/>
+              <a:rPr lang="ko-KR" altLang="en-US"/>
               <a:t>마스터 텍스트 스타일 편집</a:t>
             </a:r>
           </a:p>
@@ -4291,7 +4296,7 @@
           <a:p>
             <a:fld id="{42A54C80-263E-416B-A8E0-580EDEADCBDC}" type="datetimeFigureOut">
               <a:rPr lang="en-US" dirty="0"/>
-              <a:t>3/11/2017</a:t>
+              <a:t>3/13/2017</a:t>
             </a:fld>
             <a:endParaRPr lang="en-US" dirty="0"/>
           </a:p>
@@ -4391,7 +4396,7 @@
           </a:lstStyle>
           <a:p>
             <a:r>
-              <a:rPr lang="ko-KR" altLang="en-US" smtClean="0"/>
+              <a:rPr lang="ko-KR" altLang="en-US"/>
               <a:t>마스터 제목 스타일 편집</a:t>
             </a:r>
             <a:endParaRPr lang="en-US" dirty="0"/>
@@ -4458,7 +4463,7 @@
           </a:lstStyle>
           <a:p>
             <a:r>
-              <a:rPr lang="ko-KR" altLang="en-US" smtClean="0"/>
+              <a:rPr lang="ko-KR" altLang="en-US"/>
               <a:t>그림을 추가하려면 아이콘을 클릭하십시오</a:t>
             </a:r>
             <a:endParaRPr lang="en-US" dirty="0"/>
@@ -4526,7 +4531,7 @@
           <a:p>
             <a:pPr lvl="0"/>
             <a:r>
-              <a:rPr lang="ko-KR" altLang="en-US" smtClean="0"/>
+              <a:rPr lang="ko-KR" altLang="en-US"/>
               <a:t>마스터 텍스트 스타일 편집</a:t>
             </a:r>
           </a:p>
@@ -4550,7 +4555,7 @@
             <a:fld id="{B61BEF0D-F0BB-DE4B-95CE-6DB70DBA9567}" type="datetimeFigureOut">
               <a:rPr lang="en-US" dirty="0"/>
               <a:pPr/>
-              <a:t>3/11/2017</a:t>
+              <a:t>3/13/2017</a:t>
             </a:fld>
             <a:endParaRPr lang="en-US" dirty="0"/>
           </a:p>
@@ -5185,7 +5190,7 @@
           <a:lstStyle/>
           <a:p>
             <a:r>
-              <a:rPr lang="ko-KR" altLang="en-US" smtClean="0"/>
+              <a:rPr lang="ko-KR" altLang="en-US"/>
               <a:t>마스터 제목 스타일 편집</a:t>
             </a:r>
             <a:endParaRPr lang="en-US" dirty="0"/>
@@ -5219,35 +5224,35 @@
           <a:p>
             <a:pPr lvl="0"/>
             <a:r>
-              <a:rPr lang="ko-KR" altLang="en-US" smtClean="0"/>
+              <a:rPr lang="ko-KR" altLang="en-US"/>
               <a:t>마스터 텍스트 스타일 편집</a:t>
             </a:r>
           </a:p>
           <a:p>
             <a:pPr lvl="1"/>
             <a:r>
-              <a:rPr lang="ko-KR" altLang="en-US" smtClean="0"/>
+              <a:rPr lang="ko-KR" altLang="en-US"/>
               <a:t>둘째 수준</a:t>
             </a:r>
           </a:p>
           <a:p>
             <a:pPr lvl="2"/>
             <a:r>
-              <a:rPr lang="ko-KR" altLang="en-US" smtClean="0"/>
+              <a:rPr lang="ko-KR" altLang="en-US"/>
               <a:t>셋째 수준</a:t>
             </a:r>
           </a:p>
           <a:p>
             <a:pPr lvl="3"/>
             <a:r>
-              <a:rPr lang="ko-KR" altLang="en-US" smtClean="0"/>
+              <a:rPr lang="ko-KR" altLang="en-US"/>
               <a:t>넷째 수준</a:t>
             </a:r>
           </a:p>
           <a:p>
             <a:pPr lvl="4"/>
             <a:r>
-              <a:rPr lang="ko-KR" altLang="en-US" smtClean="0"/>
+              <a:rPr lang="ko-KR" altLang="en-US"/>
               <a:t>다섯째 수준</a:t>
             </a:r>
             <a:endParaRPr lang="en-US" dirty="0"/>
@@ -5290,7 +5295,7 @@
             <a:fld id="{B61BEF0D-F0BB-DE4B-95CE-6DB70DBA9567}" type="datetimeFigureOut">
               <a:rPr lang="en-US" dirty="0"/>
               <a:pPr/>
-              <a:t>3/11/2017</a:t>
+              <a:t>3/13/2017</a:t>
             </a:fld>
             <a:endParaRPr lang="en-US" dirty="0"/>
           </a:p>
@@ -5834,36 +5839,36 @@
           <a:p>
             <a:pPr algn="ctr"/>
             <a:r>
-              <a:rPr lang="en-US" altLang="ko-KR" sz="2000" dirty="0" smtClean="0"/>
+              <a:rPr lang="en-US" altLang="ko-KR" sz="2000" dirty="0"/>
               <a:t>20174067,</a:t>
             </a:r>
           </a:p>
           <a:p>
             <a:pPr algn="ctr"/>
             <a:r>
-              <a:rPr lang="ko-KR" altLang="en-US" sz="2000" dirty="0" smtClean="0"/>
+              <a:rPr lang="ko-KR" altLang="en-US" sz="2000" dirty="0"/>
               <a:t>컴퓨터공학과</a:t>
             </a:r>
             <a:r>
-              <a:rPr lang="en-US" altLang="ko-KR" sz="2000" dirty="0" smtClean="0"/>
+              <a:rPr lang="en-US" altLang="ko-KR" sz="2000" dirty="0"/>
               <a:t>,</a:t>
             </a:r>
           </a:p>
           <a:p>
             <a:pPr algn="ctr"/>
             <a:r>
-              <a:rPr lang="ko-KR" altLang="en-US" sz="2000" dirty="0" smtClean="0"/>
+              <a:rPr lang="ko-KR" altLang="en-US" sz="2000" dirty="0"/>
               <a:t>프로그램기초</a:t>
             </a:r>
             <a:r>
-              <a:rPr lang="en-US" altLang="ko-KR" sz="2000" dirty="0" smtClean="0"/>
+              <a:rPr lang="en-US" altLang="ko-KR" sz="2000" dirty="0"/>
               <a:t>,</a:t>
             </a:r>
           </a:p>
           <a:p>
             <a:pPr algn="ctr"/>
             <a:r>
-              <a:rPr lang="ko-KR" altLang="en-US" sz="2500" dirty="0" err="1" smtClean="0"/>
+              <a:rPr lang="ko-KR" altLang="en-US" sz="2500" dirty="0" err="1"/>
               <a:t>강범수</a:t>
             </a:r>
             <a:endParaRPr lang="ko-KR" altLang="en-US" sz="2500" dirty="0"/>
@@ -5893,7 +5898,7 @@
           <a:lstStyle/>
           <a:p>
             <a:r>
-              <a:rPr lang="en-US" altLang="ko-KR" sz="3500" dirty="0" smtClean="0"/>
+              <a:rPr lang="en-US" altLang="ko-KR" sz="3500" dirty="0"/>
               <a:t>Chapter 1</a:t>
             </a:r>
             <a:endParaRPr lang="ko-KR" altLang="en-US" sz="3500" dirty="0"/>
@@ -5923,24 +5928,24 @@
           <a:lstStyle/>
           <a:p>
             <a:r>
-              <a:rPr lang="ko-KR" altLang="en-US" sz="3000" dirty="0" smtClean="0">
+              <a:rPr lang="ko-KR" altLang="en-US" sz="3000" dirty="0">
                 <a:hlinkClick r:id="rId2"/>
               </a:rPr>
               <a:t>과제</a:t>
             </a:r>
             <a:r>
-              <a:rPr lang="en-US" altLang="ko-KR" sz="3000" dirty="0" smtClean="0">
+              <a:rPr lang="en-US" altLang="ko-KR" sz="3000" dirty="0">
                 <a:hlinkClick r:id="rId2"/>
               </a:rPr>
               <a:t> </a:t>
             </a:r>
             <a:r>
-              <a:rPr lang="ko-KR" altLang="en-US" sz="3000" dirty="0" smtClean="0">
+              <a:rPr lang="ko-KR" altLang="en-US" sz="3000" dirty="0">
                 <a:hlinkClick r:id="rId2"/>
               </a:rPr>
               <a:t>소스 코드</a:t>
             </a:r>
-            <a:endParaRPr lang="en-US" altLang="ko-KR" sz="3000" dirty="0" smtClean="0"/>
+            <a:endParaRPr lang="en-US" altLang="ko-KR" sz="3000" dirty="0"/>
           </a:p>
         </p:txBody>
       </p:sp>
@@ -5954,13 +5959,6 @@
   <p:clrMapOvr>
     <a:masterClrMapping/>
   </p:clrMapOvr>
-  <p:timing>
-    <p:tnLst>
-      <p:par>
-        <p:cTn id="1" dur="indefinite" restart="never" nodeType="tmRoot"/>
-      </p:par>
-    </p:tnLst>
-  </p:timing>
 </p:sld>
 </file>
 
@@ -6010,279 +6008,258 @@
             </a:r>
             <a:r>
               <a:rPr lang="en-US" altLang="ko-KR" dirty="0"/>
+              <a:t> 2</a:t>
+            </a:r>
+            <a:endParaRPr lang="ko-KR" altLang="en-US" dirty="0"/>
+          </a:p>
+        </p:txBody>
+      </p:sp>
+      <p:sp>
+        <p:nvSpPr>
+          <p:cNvPr id="5" name="TextBox 4"/>
+          <p:cNvSpPr txBox="1"/>
+          <p:nvPr/>
+        </p:nvSpPr>
+        <p:spPr>
+          <a:xfrm>
+            <a:off x="4265377" y="3321329"/>
+            <a:ext cx="1420582" cy="369332"/>
+          </a:xfrm>
+          <a:prstGeom prst="rect">
+            <a:avLst/>
+          </a:prstGeom>
+          <a:noFill/>
+        </p:spPr>
+        <p:txBody>
+          <a:bodyPr wrap="none" rtlCol="0">
+            <a:spAutoFit/>
+          </a:bodyPr>
+          <a:lstStyle/>
+          <a:p>
+            <a:r>
+              <a:rPr lang="en-US" altLang="ko-KR" dirty="0"/>
+              <a:t>&lt;</a:t>
+            </a:r>
+            <a:r>
+              <a:rPr lang="ko-KR" altLang="en-US" dirty="0"/>
+              <a:t>소스 코드</a:t>
+            </a:r>
+            <a:r>
+              <a:rPr lang="en-US" altLang="ko-KR" dirty="0"/>
+              <a:t>&gt;</a:t>
+            </a:r>
+            <a:endParaRPr lang="ko-KR" altLang="en-US" dirty="0"/>
+          </a:p>
+        </p:txBody>
+      </p:sp>
+      <p:sp>
+        <p:nvSpPr>
+          <p:cNvPr id="6" name="TextBox 5"/>
+          <p:cNvSpPr txBox="1"/>
+          <p:nvPr/>
+        </p:nvSpPr>
+        <p:spPr>
+          <a:xfrm>
+            <a:off x="2606320" y="4213862"/>
+            <a:ext cx="5758308" cy="1477328"/>
+          </a:xfrm>
+          <a:prstGeom prst="rect">
+            <a:avLst/>
+          </a:prstGeom>
+          <a:noFill/>
+        </p:spPr>
+        <p:txBody>
+          <a:bodyPr wrap="none" rtlCol="0">
+            <a:spAutoFit/>
+          </a:bodyPr>
+          <a:lstStyle/>
+          <a:p>
+            <a:pPr marL="342900" indent="-342900">
+              <a:buAutoNum type="arabicPeriod"/>
+            </a:pPr>
+            <a:r>
+              <a:rPr lang="en-US" altLang="ko-KR" dirty="0"/>
+              <a:t>0 ~ 100</a:t>
+            </a:r>
+            <a:r>
+              <a:rPr lang="ko-KR" altLang="en-US" dirty="0"/>
+              <a:t>까지 랜덤 숫자를 </a:t>
+            </a:r>
+            <a:r>
+              <a:rPr lang="en-US" altLang="ko-KR" dirty="0"/>
+              <a:t>value</a:t>
+            </a:r>
+            <a:r>
+              <a:rPr lang="ko-KR" altLang="en-US" dirty="0"/>
+              <a:t>에 대입</a:t>
+            </a:r>
+            <a:endParaRPr lang="en-US" altLang="ko-KR" dirty="0"/>
+          </a:p>
+          <a:p>
+            <a:pPr marL="342900" indent="-342900">
+              <a:buFontTx/>
+              <a:buAutoNum type="arabicPeriod"/>
+            </a:pPr>
+            <a:r>
+              <a:rPr lang="ko-KR" altLang="en-US" dirty="0"/>
+              <a:t>입력</a:t>
+            </a:r>
+            <a:r>
+              <a:rPr lang="en-US" altLang="ko-KR" dirty="0"/>
+              <a:t> -&gt; </a:t>
+            </a:r>
+            <a:r>
+              <a:rPr lang="ko-KR" altLang="en-US" dirty="0"/>
+              <a:t>정수로 변환 </a:t>
+            </a:r>
+            <a:r>
+              <a:rPr lang="en-US" altLang="ko-KR" dirty="0"/>
+              <a:t>-&gt; guess</a:t>
+            </a:r>
+            <a:r>
+              <a:rPr lang="ko-KR" altLang="en-US" dirty="0"/>
+              <a:t>에 대입</a:t>
+            </a:r>
+            <a:endParaRPr lang="en-US" altLang="ko-KR" dirty="0"/>
+          </a:p>
+          <a:p>
+            <a:pPr marL="342900" indent="-342900">
+              <a:buAutoNum type="arabicPeriod"/>
+            </a:pPr>
+            <a:r>
+              <a:rPr lang="en-US" altLang="ko-KR" dirty="0"/>
+              <a:t>guess</a:t>
+            </a:r>
+            <a:r>
+              <a:rPr lang="ko-KR" altLang="en-US" dirty="0"/>
               <a:t> </a:t>
             </a:r>
             <a:r>
-              <a:rPr lang="en-US" altLang="ko-KR" dirty="0" smtClean="0"/>
-              <a:t>2</a:t>
-            </a:r>
+              <a:rPr lang="en-US" altLang="ko-KR" dirty="0"/>
+              <a:t>&gt; value</a:t>
+            </a:r>
+            <a:r>
+              <a:rPr lang="ko-KR" altLang="en-US" dirty="0"/>
+              <a:t>이면 </a:t>
+            </a:r>
+            <a:r>
+              <a:rPr lang="en-US" altLang="ko-KR" dirty="0"/>
+              <a:t>“DOWN” </a:t>
+            </a:r>
+            <a:r>
+              <a:rPr lang="ko-KR" altLang="en-US" dirty="0"/>
+              <a:t>출력</a:t>
+            </a:r>
+            <a:endParaRPr lang="en-US" altLang="ko-KR" dirty="0"/>
+          </a:p>
+          <a:p>
+            <a:pPr marL="342900" indent="-342900">
+              <a:buAutoNum type="arabicPeriod"/>
+            </a:pPr>
+            <a:r>
+              <a:rPr lang="en-US" altLang="ko-KR" dirty="0"/>
+              <a:t>guess &lt; value</a:t>
+            </a:r>
+            <a:r>
+              <a:rPr lang="ko-KR" altLang="en-US" dirty="0"/>
+              <a:t>이면 </a:t>
+            </a:r>
+            <a:r>
+              <a:rPr lang="en-US" altLang="ko-KR" dirty="0"/>
+              <a:t>“UP” </a:t>
+            </a:r>
+            <a:r>
+              <a:rPr lang="ko-KR" altLang="en-US" dirty="0"/>
+              <a:t>출력</a:t>
+            </a:r>
+            <a:endParaRPr lang="en-US" altLang="ko-KR" dirty="0"/>
+          </a:p>
+          <a:p>
+            <a:pPr marL="342900" indent="-342900">
+              <a:buAutoNum type="arabicPeriod"/>
+            </a:pPr>
+            <a:r>
+              <a:rPr lang="en-US" altLang="ko-KR" dirty="0"/>
+              <a:t>guess == value</a:t>
+            </a:r>
+            <a:r>
+              <a:rPr lang="ko-KR" altLang="en-US" dirty="0"/>
+              <a:t>이면 </a:t>
+            </a:r>
+            <a:r>
+              <a:rPr lang="en-US" altLang="ko-KR" dirty="0"/>
+              <a:t>“GOOD” </a:t>
+            </a:r>
+            <a:r>
+              <a:rPr lang="ko-KR" altLang="en-US" dirty="0"/>
+              <a:t>출력 후 프로그램 종료</a:t>
+            </a:r>
+          </a:p>
+        </p:txBody>
+      </p:sp>
+      <p:sp>
+        <p:nvSpPr>
+          <p:cNvPr id="7" name="TextBox 6"/>
+          <p:cNvSpPr txBox="1"/>
+          <p:nvPr/>
+        </p:nvSpPr>
+        <p:spPr>
+          <a:xfrm>
+            <a:off x="4523768" y="3947266"/>
+            <a:ext cx="889987" cy="646331"/>
+          </a:xfrm>
+          <a:prstGeom prst="rect">
+            <a:avLst/>
+          </a:prstGeom>
+          <a:noFill/>
+        </p:spPr>
+        <p:txBody>
+          <a:bodyPr wrap="none" rtlCol="0">
+            <a:spAutoFit/>
+          </a:bodyPr>
+          <a:lstStyle/>
+          <a:p>
+            <a:r>
+              <a:rPr lang="en-US" altLang="ko-KR" dirty="0"/>
+              <a:t>&lt;</a:t>
+            </a:r>
+            <a:r>
+              <a:rPr lang="ko-KR" altLang="en-US" dirty="0"/>
+              <a:t>설명</a:t>
+            </a:r>
+            <a:r>
+              <a:rPr lang="en-US" altLang="ko-KR" dirty="0"/>
+              <a:t>&gt;</a:t>
+            </a:r>
+          </a:p>
+          <a:p>
             <a:endParaRPr lang="ko-KR" altLang="en-US" dirty="0"/>
           </a:p>
         </p:txBody>
       </p:sp>
       <p:pic>
         <p:nvPicPr>
-          <p:cNvPr id="4" name="그림 3"/>
+          <p:cNvPr id="8" name="그림 7"/>
           <p:cNvPicPr>
             <a:picLocks noChangeAspect="1"/>
           </p:cNvPicPr>
           <p:nvPr/>
         </p:nvPicPr>
-        <p:blipFill>
-          <a:blip r:embed="rId2">
-            <a:extLst>
-              <a:ext uri="{28A0092B-C50C-407E-A947-70E740481C1C}">
-                <a14:useLocalDpi xmlns:a14="http://schemas.microsoft.com/office/drawing/2010/main" val="0"/>
-              </a:ext>
-            </a:extLst>
-          </a:blip>
-          <a:stretch>
-            <a:fillRect/>
-          </a:stretch>
+        <p:blipFill rotWithShape="1">
+          <a:blip r:embed="rId2"/>
+          <a:srcRect t="28852" b="35385"/>
+          <a:stretch/>
         </p:blipFill>
         <p:spPr>
           <a:xfrm>
-            <a:off x="3564473" y="1320800"/>
-            <a:ext cx="3010320" cy="2000529"/>
+            <a:off x="3275629" y="1320800"/>
+            <a:ext cx="3400078" cy="2033115"/>
           </a:xfrm>
           <a:prstGeom prst="rect">
             <a:avLst/>
           </a:prstGeom>
         </p:spPr>
       </p:pic>
-      <p:sp>
-        <p:nvSpPr>
-          <p:cNvPr id="5" name="TextBox 4"/>
-          <p:cNvSpPr txBox="1"/>
-          <p:nvPr/>
-        </p:nvSpPr>
-        <p:spPr>
-          <a:xfrm>
-            <a:off x="4265377" y="3321329"/>
-            <a:ext cx="1420582" cy="369332"/>
-          </a:xfrm>
-          <a:prstGeom prst="rect">
-            <a:avLst/>
-          </a:prstGeom>
-          <a:noFill/>
-        </p:spPr>
-        <p:txBody>
-          <a:bodyPr wrap="none" rtlCol="0">
-            <a:spAutoFit/>
-          </a:bodyPr>
-          <a:lstStyle/>
-          <a:p>
-            <a:r>
-              <a:rPr lang="en-US" altLang="ko-KR" dirty="0" smtClean="0"/>
-              <a:t>&lt;</a:t>
-            </a:r>
-            <a:r>
-              <a:rPr lang="ko-KR" altLang="en-US" dirty="0" smtClean="0"/>
-              <a:t>소스 코드</a:t>
-            </a:r>
-            <a:r>
-              <a:rPr lang="en-US" altLang="ko-KR" dirty="0" smtClean="0"/>
-              <a:t>&gt;</a:t>
-            </a:r>
-            <a:endParaRPr lang="ko-KR" altLang="en-US" dirty="0"/>
-          </a:p>
-        </p:txBody>
-      </p:sp>
-      <p:sp>
-        <p:nvSpPr>
-          <p:cNvPr id="6" name="TextBox 5"/>
-          <p:cNvSpPr txBox="1"/>
-          <p:nvPr/>
-        </p:nvSpPr>
-        <p:spPr>
-          <a:xfrm>
-            <a:off x="2606320" y="4213862"/>
-            <a:ext cx="5758308" cy="1477328"/>
-          </a:xfrm>
-          <a:prstGeom prst="rect">
-            <a:avLst/>
-          </a:prstGeom>
-          <a:noFill/>
-        </p:spPr>
-        <p:txBody>
-          <a:bodyPr wrap="none" rtlCol="0">
-            <a:spAutoFit/>
-          </a:bodyPr>
-          <a:lstStyle/>
-          <a:p>
-            <a:pPr marL="342900" indent="-342900">
-              <a:buAutoNum type="arabicPeriod"/>
-            </a:pPr>
-            <a:r>
-              <a:rPr lang="en-US" altLang="ko-KR" dirty="0" smtClean="0"/>
-              <a:t>0 ~ 100</a:t>
-            </a:r>
-            <a:r>
-              <a:rPr lang="ko-KR" altLang="en-US" dirty="0" smtClean="0"/>
-              <a:t>까지 랜덤 숫자를 </a:t>
-            </a:r>
-            <a:r>
-              <a:rPr lang="en-US" altLang="ko-KR" dirty="0" smtClean="0"/>
-              <a:t>value</a:t>
-            </a:r>
-            <a:r>
-              <a:rPr lang="ko-KR" altLang="en-US" dirty="0" smtClean="0"/>
-              <a:t>에 대입</a:t>
-            </a:r>
-            <a:endParaRPr lang="en-US" altLang="ko-KR" dirty="0" smtClean="0"/>
-          </a:p>
-          <a:p>
-            <a:pPr marL="342900" indent="-342900">
-              <a:buFontTx/>
-              <a:buAutoNum type="arabicPeriod"/>
-            </a:pPr>
-            <a:r>
-              <a:rPr lang="ko-KR" altLang="en-US" dirty="0"/>
-              <a:t>입력</a:t>
-            </a:r>
-            <a:r>
-              <a:rPr lang="en-US" altLang="ko-KR" dirty="0"/>
-              <a:t> -&gt; </a:t>
-            </a:r>
-            <a:r>
-              <a:rPr lang="ko-KR" altLang="en-US" dirty="0"/>
-              <a:t>정수로 변환 </a:t>
-            </a:r>
-            <a:r>
-              <a:rPr lang="en-US" altLang="ko-KR" dirty="0"/>
-              <a:t>-&gt; guess</a:t>
-            </a:r>
-            <a:r>
-              <a:rPr lang="ko-KR" altLang="en-US" dirty="0"/>
-              <a:t>에 </a:t>
-            </a:r>
-            <a:r>
-              <a:rPr lang="ko-KR" altLang="en-US" dirty="0" smtClean="0"/>
-              <a:t>대입</a:t>
-            </a:r>
-            <a:endParaRPr lang="en-US" altLang="ko-KR" dirty="0" smtClean="0"/>
-          </a:p>
-          <a:p>
-            <a:pPr marL="342900" indent="-342900">
-              <a:buAutoNum type="arabicPeriod"/>
-            </a:pPr>
-            <a:r>
-              <a:rPr lang="en-US" altLang="ko-KR" dirty="0" smtClean="0"/>
-              <a:t>guess</a:t>
-            </a:r>
-            <a:r>
-              <a:rPr lang="ko-KR" altLang="en-US" dirty="0" smtClean="0"/>
-              <a:t> </a:t>
-            </a:r>
-            <a:r>
-              <a:rPr lang="en-US" altLang="ko-KR" dirty="0" smtClean="0"/>
-              <a:t>&gt; value</a:t>
-            </a:r>
-            <a:r>
-              <a:rPr lang="ko-KR" altLang="en-US" dirty="0" smtClean="0"/>
-              <a:t>이면 </a:t>
-            </a:r>
-            <a:r>
-              <a:rPr lang="en-US" altLang="ko-KR" dirty="0" smtClean="0"/>
-              <a:t>“DOWN” </a:t>
-            </a:r>
-            <a:r>
-              <a:rPr lang="ko-KR" altLang="en-US" dirty="0" smtClean="0"/>
-              <a:t>출력</a:t>
-            </a:r>
-            <a:endParaRPr lang="en-US" altLang="ko-KR" dirty="0" smtClean="0"/>
-          </a:p>
-          <a:p>
-            <a:pPr marL="342900" indent="-342900">
-              <a:buAutoNum type="arabicPeriod"/>
-            </a:pPr>
-            <a:r>
-              <a:rPr lang="en-US" altLang="ko-KR" dirty="0" smtClean="0"/>
-              <a:t>guess &lt; value</a:t>
-            </a:r>
-            <a:r>
-              <a:rPr lang="ko-KR" altLang="en-US" dirty="0" smtClean="0"/>
-              <a:t>이면 </a:t>
-            </a:r>
-            <a:r>
-              <a:rPr lang="en-US" altLang="ko-KR" dirty="0" smtClean="0"/>
-              <a:t>“UP” </a:t>
-            </a:r>
-            <a:r>
-              <a:rPr lang="ko-KR" altLang="en-US" dirty="0" smtClean="0"/>
-              <a:t>출력</a:t>
-            </a:r>
-            <a:endParaRPr lang="en-US" altLang="ko-KR" dirty="0" smtClean="0"/>
-          </a:p>
-          <a:p>
-            <a:pPr marL="342900" indent="-342900">
-              <a:buAutoNum type="arabicPeriod"/>
-            </a:pPr>
-            <a:r>
-              <a:rPr lang="en-US" altLang="ko-KR" dirty="0"/>
-              <a:t>g</a:t>
-            </a:r>
-            <a:r>
-              <a:rPr lang="en-US" altLang="ko-KR" dirty="0" smtClean="0"/>
-              <a:t>uess == value</a:t>
-            </a:r>
-            <a:r>
-              <a:rPr lang="ko-KR" altLang="en-US" dirty="0" smtClean="0"/>
-              <a:t>이면 </a:t>
-            </a:r>
-            <a:r>
-              <a:rPr lang="en-US" altLang="ko-KR" dirty="0" smtClean="0"/>
-              <a:t>“GOOD” </a:t>
-            </a:r>
-            <a:r>
-              <a:rPr lang="ko-KR" altLang="en-US" dirty="0" smtClean="0"/>
-              <a:t>출력 후 프로그램 종료</a:t>
-            </a:r>
-            <a:endParaRPr lang="ko-KR" altLang="en-US" dirty="0"/>
-          </a:p>
-        </p:txBody>
-      </p:sp>
-      <p:sp>
-        <p:nvSpPr>
-          <p:cNvPr id="7" name="TextBox 6"/>
-          <p:cNvSpPr txBox="1"/>
-          <p:nvPr/>
-        </p:nvSpPr>
-        <p:spPr>
-          <a:xfrm>
-            <a:off x="4523768" y="3947266"/>
-            <a:ext cx="889987" cy="646331"/>
-          </a:xfrm>
-          <a:prstGeom prst="rect">
-            <a:avLst/>
-          </a:prstGeom>
-          <a:noFill/>
-        </p:spPr>
-        <p:txBody>
-          <a:bodyPr wrap="none" rtlCol="0">
-            <a:spAutoFit/>
-          </a:bodyPr>
-          <a:lstStyle/>
-          <a:p>
-            <a:r>
-              <a:rPr lang="en-US" altLang="ko-KR" dirty="0" smtClean="0"/>
-              <a:t>&lt;</a:t>
-            </a:r>
-            <a:r>
-              <a:rPr lang="ko-KR" altLang="en-US" dirty="0" smtClean="0"/>
-              <a:t>설명</a:t>
-            </a:r>
-            <a:r>
-              <a:rPr lang="en-US" altLang="ko-KR" dirty="0" smtClean="0"/>
-              <a:t>&gt;</a:t>
-            </a:r>
-            <a:endParaRPr lang="en-US" altLang="ko-KR" dirty="0"/>
-          </a:p>
-          <a:p>
-            <a:endParaRPr lang="ko-KR" altLang="en-US" dirty="0"/>
-          </a:p>
-        </p:txBody>
-      </p:sp>
     </p:spTree>
     <p:extLst>
       <p:ext uri="{BB962C8B-B14F-4D97-AF65-F5344CB8AC3E}">
@@ -6293,13 +6270,6 @@
   <p:clrMapOvr>
     <a:masterClrMapping/>
   </p:clrMapOvr>
-  <p:timing>
-    <p:tnLst>
-      <p:par>
-        <p:cTn id="1" dur="indefinite" restart="never" nodeType="tmRoot"/>
-      </p:par>
-    </p:tnLst>
-  </p:timing>
 </p:sld>
 </file>
 
@@ -6349,40 +6319,108 @@
             </a:r>
             <a:r>
               <a:rPr lang="en-US" altLang="ko-KR" dirty="0"/>
-              <a:t> </a:t>
-            </a:r>
-            <a:r>
-              <a:rPr lang="en-US" altLang="ko-KR" dirty="0" smtClean="0"/>
-              <a:t>3</a:t>
-            </a:r>
+              <a:t> 3</a:t>
+            </a:r>
+            <a:endParaRPr lang="ko-KR" altLang="en-US" dirty="0"/>
+          </a:p>
+        </p:txBody>
+      </p:sp>
+      <p:sp>
+        <p:nvSpPr>
+          <p:cNvPr id="5" name="TextBox 4"/>
+          <p:cNvSpPr txBox="1"/>
+          <p:nvPr/>
+        </p:nvSpPr>
+        <p:spPr>
+          <a:xfrm>
+            <a:off x="1952043" y="6060474"/>
+            <a:ext cx="1420582" cy="369332"/>
+          </a:xfrm>
+          <a:prstGeom prst="rect">
+            <a:avLst/>
+          </a:prstGeom>
+          <a:noFill/>
+        </p:spPr>
+        <p:txBody>
+          <a:bodyPr wrap="none" rtlCol="0">
+            <a:spAutoFit/>
+          </a:bodyPr>
+          <a:lstStyle/>
+          <a:p>
+            <a:r>
+              <a:rPr lang="en-US" altLang="ko-KR" dirty="0"/>
+              <a:t>&lt;</a:t>
+            </a:r>
+            <a:r>
+              <a:rPr lang="ko-KR" altLang="en-US" dirty="0"/>
+              <a:t>소스 코드</a:t>
+            </a:r>
+            <a:r>
+              <a:rPr lang="en-US" altLang="ko-KR" dirty="0"/>
+              <a:t>&gt;</a:t>
+            </a:r>
+            <a:endParaRPr lang="ko-KR" altLang="en-US" dirty="0"/>
+          </a:p>
+        </p:txBody>
+      </p:sp>
+      <p:sp>
+        <p:nvSpPr>
+          <p:cNvPr id="7" name="TextBox 6"/>
+          <p:cNvSpPr txBox="1"/>
+          <p:nvPr/>
+        </p:nvSpPr>
+        <p:spPr>
+          <a:xfrm>
+            <a:off x="5940043" y="1684695"/>
+            <a:ext cx="889987" cy="646331"/>
+          </a:xfrm>
+          <a:prstGeom prst="rect">
+            <a:avLst/>
+          </a:prstGeom>
+          <a:noFill/>
+        </p:spPr>
+        <p:txBody>
+          <a:bodyPr wrap="none" rtlCol="0">
+            <a:spAutoFit/>
+          </a:bodyPr>
+          <a:lstStyle/>
+          <a:p>
+            <a:r>
+              <a:rPr lang="en-US" altLang="ko-KR" dirty="0"/>
+              <a:t>&lt;</a:t>
+            </a:r>
+            <a:r>
+              <a:rPr lang="ko-KR" altLang="en-US" dirty="0"/>
+              <a:t>설명</a:t>
+            </a:r>
+            <a:r>
+              <a:rPr lang="en-US" altLang="ko-KR" dirty="0"/>
+              <a:t>&gt;</a:t>
+            </a:r>
+          </a:p>
+          <a:p>
             <a:endParaRPr lang="ko-KR" altLang="en-US" dirty="0"/>
           </a:p>
         </p:txBody>
       </p:sp>
       <p:pic>
         <p:nvPicPr>
-          <p:cNvPr id="4" name="그림 3"/>
+          <p:cNvPr id="3" name="그림 2"/>
           <p:cNvPicPr>
             <a:picLocks noChangeAspect="1"/>
           </p:cNvPicPr>
           <p:nvPr/>
         </p:nvPicPr>
         <p:blipFill>
-          <a:blip r:embed="rId2">
-            <a:extLst>
-              <a:ext uri="{28A0092B-C50C-407E-A947-70E740481C1C}">
-                <a14:useLocalDpi xmlns:a14="http://schemas.microsoft.com/office/drawing/2010/main" val="0"/>
-              </a:ext>
-            </a:extLst>
-          </a:blip>
+          <a:blip r:embed="rId2"/>
           <a:stretch>
             <a:fillRect/>
           </a:stretch>
         </p:blipFill>
         <p:spPr>
           <a:xfrm>
-            <a:off x="795174" y="1078204"/>
-            <a:ext cx="3734321" cy="4982270"/>
+            <a:off x="562513" y="1280990"/>
+            <a:ext cx="3984087" cy="4779484"/>
           </a:xfrm>
           <a:prstGeom prst="rect">
             <a:avLst/>
@@ -6391,14 +6429,14 @@
       </p:pic>
       <p:sp>
         <p:nvSpPr>
-          <p:cNvPr id="5" name="TextBox 4"/>
+          <p:cNvPr id="8" name="TextBox 7"/>
           <p:cNvSpPr txBox="1"/>
           <p:nvPr/>
         </p:nvSpPr>
         <p:spPr>
           <a:xfrm>
-            <a:off x="1952043" y="6060474"/>
-            <a:ext cx="1420582" cy="369332"/>
+            <a:off x="3973436" y="2007860"/>
+            <a:ext cx="5971507" cy="2308324"/>
           </a:xfrm>
           <a:prstGeom prst="rect">
             <a:avLst/>
@@ -6411,82 +6449,44 @@
           </a:bodyPr>
           <a:lstStyle/>
           <a:p>
-            <a:r>
-              <a:rPr lang="en-US" altLang="ko-KR" dirty="0" smtClean="0"/>
-              <a:t>&lt;</a:t>
-            </a:r>
-            <a:r>
-              <a:rPr lang="ko-KR" altLang="en-US" dirty="0" smtClean="0"/>
-              <a:t>소스 코드</a:t>
-            </a:r>
-            <a:r>
-              <a:rPr lang="en-US" altLang="ko-KR" dirty="0" smtClean="0"/>
-              <a:t>&gt;</a:t>
-            </a:r>
-            <a:endParaRPr lang="ko-KR" altLang="en-US" dirty="0"/>
-          </a:p>
-        </p:txBody>
-      </p:sp>
-      <p:sp>
-        <p:nvSpPr>
-          <p:cNvPr id="6" name="TextBox 5"/>
-          <p:cNvSpPr txBox="1"/>
-          <p:nvPr/>
-        </p:nvSpPr>
-        <p:spPr>
-          <a:xfrm>
-            <a:off x="3742677" y="1944492"/>
-            <a:ext cx="5971507" cy="2308324"/>
-          </a:xfrm>
-          <a:prstGeom prst="rect">
-            <a:avLst/>
-          </a:prstGeom>
-          <a:noFill/>
-        </p:spPr>
-        <p:txBody>
-          <a:bodyPr wrap="none" rtlCol="0">
-            <a:spAutoFit/>
-          </a:bodyPr>
-          <a:lstStyle/>
-          <a:p>
             <a:pPr marL="342900" indent="-342900">
               <a:buAutoNum type="arabicPeriod"/>
             </a:pPr>
             <a:r>
-              <a:rPr lang="en-US" altLang="ko-KR" dirty="0" smtClean="0"/>
+              <a:rPr lang="en-US" altLang="ko-KR" dirty="0"/>
               <a:t>0 ~ 9</a:t>
             </a:r>
             <a:r>
-              <a:rPr lang="ko-KR" altLang="en-US" dirty="0" smtClean="0"/>
+              <a:rPr lang="ko-KR" altLang="en-US" dirty="0"/>
               <a:t>까지 랜덤 숫자를 </a:t>
             </a:r>
             <a:r>
-              <a:rPr lang="en-US" altLang="ko-KR" dirty="0" smtClean="0"/>
+              <a:rPr lang="en-US" altLang="ko-KR" dirty="0"/>
               <a:t>computer </a:t>
             </a:r>
             <a:r>
-              <a:rPr lang="ko-KR" altLang="en-US" dirty="0" smtClean="0"/>
+              <a:rPr lang="ko-KR" altLang="en-US" dirty="0"/>
               <a:t>리스트에 각각 대입 </a:t>
             </a:r>
-            <a:endParaRPr lang="en-US" altLang="ko-KR" dirty="0" smtClean="0"/>
+            <a:endParaRPr lang="en-US" altLang="ko-KR" dirty="0"/>
           </a:p>
           <a:p>
             <a:pPr marL="342900" indent="-342900">
               <a:buAutoNum type="arabicPeriod"/>
             </a:pPr>
             <a:r>
-              <a:rPr lang="ko-KR" altLang="en-US" dirty="0" smtClean="0"/>
+              <a:rPr lang="ko-KR" altLang="en-US" dirty="0"/>
               <a:t>중복되는 수가 있다면 </a:t>
             </a:r>
             <a:r>
-              <a:rPr lang="en-US" altLang="ko-KR" dirty="0" smtClean="0"/>
+              <a:rPr lang="en-US" altLang="ko-KR" dirty="0"/>
               <a:t>1</a:t>
             </a:r>
             <a:r>
-              <a:rPr lang="ko-KR" altLang="en-US" dirty="0" smtClean="0"/>
+              <a:rPr lang="ko-KR" altLang="en-US" dirty="0"/>
               <a:t>번부터 다시 시작</a:t>
             </a:r>
-            <a:endParaRPr lang="en-US" altLang="ko-KR" dirty="0" smtClean="0"/>
+            <a:endParaRPr lang="en-US" altLang="ko-KR" dirty="0"/>
           </a:p>
           <a:p>
             <a:pPr marL="342900" indent="-342900">
@@ -6494,45 +6494,33 @@
             </a:pPr>
             <a:r>
               <a:rPr lang="en-US" altLang="ko-KR" dirty="0"/>
-              <a:t>s</a:t>
-            </a:r>
-            <a:r>
-              <a:rPr lang="en-US" altLang="ko-KR" dirty="0" smtClean="0"/>
-              <a:t>trike != 3 </a:t>
-            </a:r>
-            <a:r>
-              <a:rPr lang="ko-KR" altLang="en-US" dirty="0" smtClean="0"/>
+              <a:t>strike != 3 </a:t>
+            </a:r>
+            <a:r>
+              <a:rPr lang="ko-KR" altLang="en-US" dirty="0"/>
               <a:t>이라면 </a:t>
             </a:r>
             <a:r>
-              <a:rPr lang="en-US" altLang="ko-KR" dirty="0" smtClean="0"/>
+              <a:rPr lang="en-US" altLang="ko-KR" dirty="0"/>
               <a:t>Loop </a:t>
             </a:r>
             <a:r>
-              <a:rPr lang="ko-KR" altLang="en-US" dirty="0" smtClean="0"/>
+              <a:rPr lang="ko-KR" altLang="en-US" dirty="0"/>
               <a:t>진입</a:t>
             </a:r>
-            <a:endParaRPr lang="en-US" altLang="ko-KR" dirty="0" smtClean="0"/>
+            <a:endParaRPr lang="en-US" altLang="ko-KR" dirty="0"/>
           </a:p>
           <a:p>
             <a:pPr marL="342900" indent="-342900">
               <a:buAutoNum type="arabicPeriod"/>
             </a:pPr>
             <a:r>
-              <a:rPr lang="ko-KR" altLang="en-US" dirty="0" smtClean="0"/>
+              <a:rPr lang="ko-KR" altLang="en-US" dirty="0"/>
               <a:t>매 루프 마다 </a:t>
             </a:r>
             <a:r>
-              <a:rPr lang="en-US" altLang="ko-KR" dirty="0" smtClean="0"/>
-              <a:t>strike</a:t>
-            </a:r>
-            <a:r>
-              <a:rPr lang="en-US" altLang="ko-KR" dirty="0"/>
-              <a:t> </a:t>
-            </a:r>
-            <a:r>
-              <a:rPr lang="en-US" altLang="ko-KR" dirty="0" smtClean="0"/>
-              <a:t>= ball = 0</a:t>
+              <a:rPr lang="en-US" altLang="ko-KR" dirty="0"/>
+              <a:t>strike = ball = 0</a:t>
             </a:r>
           </a:p>
           <a:p>
@@ -6541,47 +6529,43 @@
             </a:pPr>
             <a:r>
               <a:rPr lang="en-US" altLang="ko-KR" dirty="0"/>
-              <a:t>p</a:t>
-            </a:r>
-            <a:r>
-              <a:rPr lang="en-US" altLang="ko-KR" dirty="0" smtClean="0"/>
-              <a:t>layer </a:t>
-            </a:r>
-            <a:r>
-              <a:rPr lang="ko-KR" altLang="en-US" dirty="0" smtClean="0"/>
+              <a:t>player </a:t>
+            </a:r>
+            <a:r>
+              <a:rPr lang="ko-KR" altLang="en-US" dirty="0"/>
               <a:t>리스트에 각각 입력 값 대입</a:t>
             </a:r>
-            <a:endParaRPr lang="en-US" altLang="ko-KR" dirty="0" smtClean="0"/>
+            <a:endParaRPr lang="en-US" altLang="ko-KR" dirty="0"/>
           </a:p>
           <a:p>
             <a:pPr marL="342900" indent="-342900">
               <a:buAutoNum type="arabicPeriod"/>
             </a:pPr>
             <a:r>
-              <a:rPr lang="en-US" altLang="ko-KR" dirty="0" smtClean="0"/>
+              <a:rPr lang="en-US" altLang="ko-KR" dirty="0"/>
               <a:t>player[</a:t>
             </a:r>
             <a:r>
-              <a:rPr lang="en-US" altLang="ko-KR" dirty="0" err="1" smtClean="0"/>
+              <a:rPr lang="en-US" altLang="ko-KR" dirty="0" err="1"/>
               <a:t>i</a:t>
             </a:r>
             <a:r>
-              <a:rPr lang="en-US" altLang="ko-KR" dirty="0" smtClean="0"/>
+              <a:rPr lang="en-US" altLang="ko-KR" dirty="0"/>
               <a:t>] == computer[j] &amp; I == j </a:t>
             </a:r>
             <a:r>
-              <a:rPr lang="ko-KR" altLang="en-US" dirty="0" smtClean="0"/>
+              <a:rPr lang="ko-KR" altLang="en-US" dirty="0"/>
               <a:t>이라면 </a:t>
             </a:r>
             <a:r>
-              <a:rPr lang="en-US" altLang="ko-KR" dirty="0" smtClean="0"/>
+              <a:rPr lang="en-US" altLang="ko-KR" dirty="0"/>
               <a:t>strike 1</a:t>
             </a:r>
             <a:r>
-              <a:rPr lang="ko-KR" altLang="en-US" dirty="0" smtClean="0"/>
+              <a:rPr lang="ko-KR" altLang="en-US" dirty="0"/>
               <a:t>증가</a:t>
             </a:r>
-            <a:endParaRPr lang="en-US" altLang="ko-KR" dirty="0" smtClean="0"/>
+            <a:endParaRPr lang="en-US" altLang="ko-KR" dirty="0"/>
           </a:p>
           <a:p>
             <a:pPr marL="342900" indent="-342900">
@@ -6597,88 +6581,42 @@
             </a:r>
             <a:r>
               <a:rPr lang="en-US" altLang="ko-KR" dirty="0"/>
-              <a:t>] == computer[j</a:t>
-            </a:r>
-            <a:r>
-              <a:rPr lang="en-US" altLang="ko-KR" dirty="0" smtClean="0"/>
-              <a:t>] &amp; I != j </a:t>
-            </a:r>
-            <a:r>
-              <a:rPr lang="ko-KR" altLang="en-US" dirty="0" smtClean="0"/>
+              <a:t>] == computer[j] &amp; I != j </a:t>
+            </a:r>
+            <a:r>
+              <a:rPr lang="ko-KR" altLang="en-US" dirty="0"/>
               <a:t>이라면 </a:t>
             </a:r>
             <a:r>
-              <a:rPr lang="en-US" altLang="ko-KR" dirty="0" smtClean="0"/>
+              <a:rPr lang="en-US" altLang="ko-KR" dirty="0"/>
               <a:t>ball 1 </a:t>
             </a:r>
             <a:r>
-              <a:rPr lang="ko-KR" altLang="en-US" dirty="0" smtClean="0"/>
+              <a:rPr lang="ko-KR" altLang="en-US" dirty="0"/>
               <a:t>증가</a:t>
             </a:r>
-            <a:endParaRPr lang="en-US" altLang="ko-KR" dirty="0" smtClean="0"/>
+            <a:endParaRPr lang="en-US" altLang="ko-KR" dirty="0"/>
           </a:p>
           <a:p>
             <a:pPr marL="342900" indent="-342900">
               <a:buAutoNum type="arabicPeriod"/>
             </a:pPr>
             <a:r>
-              <a:rPr lang="en-US" altLang="ko-KR" dirty="0" smtClean="0"/>
+              <a:rPr lang="en-US" altLang="ko-KR" dirty="0"/>
               <a:t>strike, ball </a:t>
             </a:r>
             <a:r>
-              <a:rPr lang="ko-KR" altLang="en-US" dirty="0" smtClean="0"/>
+              <a:rPr lang="ko-KR" altLang="en-US" dirty="0"/>
               <a:t>출력 후 </a:t>
             </a:r>
             <a:r>
-              <a:rPr lang="en-US" altLang="ko-KR" dirty="0" smtClean="0"/>
+              <a:rPr lang="en-US" altLang="ko-KR" dirty="0"/>
               <a:t>3</a:t>
             </a:r>
             <a:r>
-              <a:rPr lang="ko-KR" altLang="en-US" dirty="0" smtClean="0"/>
+              <a:rPr lang="ko-KR" altLang="en-US" dirty="0"/>
               <a:t>번부터 다시 시작</a:t>
             </a:r>
-            <a:endParaRPr lang="ko-KR" altLang="en-US" dirty="0"/>
-          </a:p>
-        </p:txBody>
-      </p:sp>
-      <p:sp>
-        <p:nvSpPr>
-          <p:cNvPr id="7" name="TextBox 6"/>
-          <p:cNvSpPr txBox="1"/>
-          <p:nvPr/>
-        </p:nvSpPr>
-        <p:spPr>
-          <a:xfrm>
-            <a:off x="5940043" y="1684695"/>
-            <a:ext cx="889987" cy="646331"/>
-          </a:xfrm>
-          <a:prstGeom prst="rect">
-            <a:avLst/>
-          </a:prstGeom>
-          <a:noFill/>
-        </p:spPr>
-        <p:txBody>
-          <a:bodyPr wrap="none" rtlCol="0">
-            <a:spAutoFit/>
-          </a:bodyPr>
-          <a:lstStyle/>
-          <a:p>
-            <a:r>
-              <a:rPr lang="en-US" altLang="ko-KR" dirty="0" smtClean="0"/>
-              <a:t>&lt;</a:t>
-            </a:r>
-            <a:r>
-              <a:rPr lang="ko-KR" altLang="en-US" dirty="0" smtClean="0"/>
-              <a:t>설명</a:t>
-            </a:r>
-            <a:r>
-              <a:rPr lang="en-US" altLang="ko-KR" dirty="0" smtClean="0"/>
-              <a:t>&gt;</a:t>
-            </a:r>
-            <a:endParaRPr lang="en-US" altLang="ko-KR" dirty="0"/>
-          </a:p>
-          <a:p>
-            <a:endParaRPr lang="ko-KR" altLang="en-US" dirty="0"/>
           </a:p>
         </p:txBody>
       </p:sp>
@@ -6692,13 +6630,6 @@
   <p:clrMapOvr>
     <a:masterClrMapping/>
   </p:clrMapOvr>
-  <p:timing>
-    <p:tnLst>
-      <p:par>
-        <p:cTn id="1" dur="indefinite" restart="never" nodeType="tmRoot"/>
-      </p:par>
-    </p:tnLst>
-  </p:timing>
 </p:sld>
 </file>
 
@@ -6740,17 +6671,12 @@
             </a:r>
             <a:r>
               <a:rPr lang="en-US" altLang="ko-KR" dirty="0"/>
-              <a:t>2 </a:t>
-            </a:r>
-            <a:r>
-              <a:rPr lang="en-US" altLang="ko-KR" dirty="0" smtClean="0"/>
-              <a:t>– </a:t>
-            </a:r>
-            <a:r>
-              <a:rPr lang="ko-KR" altLang="en-US" dirty="0" smtClean="0"/>
+              <a:t>2 – </a:t>
+            </a:r>
+            <a:r>
+              <a:rPr lang="ko-KR" altLang="en-US" dirty="0"/>
               <a:t>실행 결과</a:t>
             </a:r>
-            <a:endParaRPr lang="ko-KR" altLang="en-US" dirty="0"/>
           </a:p>
         </p:txBody>
       </p:sp>
@@ -6837,15 +6763,15 @@
           <a:lstStyle/>
           <a:p>
             <a:r>
-              <a:rPr lang="en-US" altLang="ko-KR" dirty="0" smtClean="0"/>
+              <a:rPr lang="en-US" altLang="ko-KR" dirty="0"/>
               <a:t>&lt;</a:t>
             </a:r>
             <a:r>
-              <a:rPr lang="ko-KR" altLang="en-US" dirty="0" smtClean="0"/>
+              <a:rPr lang="ko-KR" altLang="en-US" dirty="0"/>
               <a:t>실행 결과</a:t>
             </a:r>
             <a:r>
-              <a:rPr lang="en-US" altLang="ko-KR" dirty="0" smtClean="0"/>
+              <a:rPr lang="en-US" altLang="ko-KR" dirty="0"/>
               <a:t>&gt;</a:t>
             </a:r>
             <a:endParaRPr lang="ko-KR" altLang="en-US" dirty="0"/>
@@ -6862,13 +6788,6 @@
   <p:clrMapOvr>
     <a:masterClrMapping/>
   </p:clrMapOvr>
-  <p:timing>
-    <p:tnLst>
-      <p:par>
-        <p:cTn id="1" dur="indefinite" restart="never" nodeType="tmRoot"/>
-      </p:par>
-    </p:tnLst>
-  </p:timing>
 </p:sld>
 </file>
 
@@ -6905,10 +6824,9 @@
           <a:lstStyle/>
           <a:p>
             <a:r>
-              <a:rPr lang="ko-KR" altLang="en-US" dirty="0" smtClean="0"/>
+              <a:rPr lang="ko-KR" altLang="en-US" dirty="0"/>
               <a:t>참고 자료</a:t>
             </a:r>
-            <a:endParaRPr lang="ko-KR" altLang="en-US" dirty="0"/>
           </a:p>
         </p:txBody>
       </p:sp>
@@ -6935,43 +6853,43 @@
           <a:lstStyle/>
           <a:p>
             <a:r>
-              <a:rPr lang="en-US" altLang="ko-KR" dirty="0" smtClean="0"/>
+              <a:rPr lang="en-US" altLang="ko-KR" dirty="0"/>
               <a:t>&lt;</a:t>
             </a:r>
             <a:r>
-              <a:rPr lang="ko-KR" altLang="en-US" dirty="0" smtClean="0"/>
+              <a:rPr lang="ko-KR" altLang="en-US" dirty="0"/>
               <a:t>과제를 통해 배운 </a:t>
             </a:r>
             <a:r>
-              <a:rPr lang="ko-KR" altLang="en-US" dirty="0" err="1" smtClean="0"/>
+              <a:rPr lang="ko-KR" altLang="en-US" dirty="0" err="1"/>
               <a:t>파이썬</a:t>
             </a:r>
             <a:r>
-              <a:rPr lang="ko-KR" altLang="en-US" dirty="0" smtClean="0"/>
+              <a:rPr lang="ko-KR" altLang="en-US" dirty="0"/>
               <a:t> </a:t>
             </a:r>
             <a:r>
-              <a:rPr lang="ko-KR" altLang="en-US" dirty="0" err="1" smtClean="0"/>
+              <a:rPr lang="ko-KR" altLang="en-US" dirty="0" err="1"/>
               <a:t>자료형</a:t>
             </a:r>
             <a:r>
-              <a:rPr lang="en-US" altLang="ko-KR" dirty="0" smtClean="0"/>
+              <a:rPr lang="en-US" altLang="ko-KR" dirty="0"/>
               <a:t>, </a:t>
             </a:r>
             <a:r>
-              <a:rPr lang="ko-KR" altLang="en-US" dirty="0" smtClean="0"/>
+              <a:rPr lang="ko-KR" altLang="en-US" dirty="0"/>
               <a:t>키워드</a:t>
             </a:r>
             <a:r>
-              <a:rPr lang="en-US" altLang="ko-KR" dirty="0" smtClean="0"/>
+              <a:rPr lang="en-US" altLang="ko-KR" dirty="0"/>
               <a:t>, </a:t>
             </a:r>
             <a:r>
-              <a:rPr lang="ko-KR" altLang="en-US" dirty="0" smtClean="0"/>
+              <a:rPr lang="ko-KR" altLang="en-US" dirty="0"/>
               <a:t>함수</a:t>
             </a:r>
             <a:r>
-              <a:rPr lang="en-US" altLang="ko-KR" dirty="0" smtClean="0"/>
+              <a:rPr lang="en-US" altLang="ko-KR" dirty="0"/>
               <a:t>&gt;</a:t>
             </a:r>
           </a:p>
@@ -7000,15 +6918,15 @@
           <a:lstStyle/>
           <a:p>
             <a:r>
-              <a:rPr lang="en-US" altLang="ko-KR" dirty="0" smtClean="0"/>
+              <a:rPr lang="en-US" altLang="ko-KR" dirty="0"/>
               <a:t>list, </a:t>
             </a:r>
             <a:r>
-              <a:rPr lang="en-US" altLang="ko-KR" dirty="0" err="1" smtClean="0"/>
+              <a:rPr lang="en-US" altLang="ko-KR" dirty="0" err="1"/>
               <a:t>elif</a:t>
             </a:r>
             <a:r>
-              <a:rPr lang="en-US" altLang="ko-KR" dirty="0" smtClean="0"/>
+              <a:rPr lang="en-US" altLang="ko-KR" dirty="0"/>
               <a:t>, for ~ in ~, range()</a:t>
             </a:r>
           </a:p>
@@ -7038,42 +6956,33 @@
           <a:p>
             <a:r>
               <a:rPr lang="en-US" altLang="ko-KR" dirty="0"/>
-              <a:t>l</a:t>
-            </a:r>
-            <a:r>
-              <a:rPr lang="en-US" altLang="ko-KR" dirty="0" smtClean="0"/>
-              <a:t>ist : </a:t>
-            </a:r>
-            <a:r>
-              <a:rPr lang="ko-KR" altLang="en-US" dirty="0" smtClean="0"/>
+              <a:t>list : </a:t>
+            </a:r>
+            <a:r>
+              <a:rPr lang="ko-KR" altLang="en-US" dirty="0"/>
               <a:t>요소의 집합</a:t>
             </a:r>
-            <a:endParaRPr lang="en-US" altLang="ko-KR" dirty="0" smtClean="0"/>
-          </a:p>
-          <a:p>
-            <a:endParaRPr lang="en-US" altLang="ko-KR" dirty="0" smtClean="0"/>
+            <a:endParaRPr lang="en-US" altLang="ko-KR" dirty="0"/>
+          </a:p>
+          <a:p>
+            <a:endParaRPr lang="en-US" altLang="ko-KR" dirty="0"/>
           </a:p>
           <a:p>
             <a:r>
               <a:rPr lang="en-US" altLang="ko-KR" dirty="0" err="1"/>
-              <a:t>e</a:t>
-            </a:r>
-            <a:r>
-              <a:rPr lang="en-US" altLang="ko-KR" dirty="0" err="1" smtClean="0"/>
-              <a:t>lif</a:t>
-            </a:r>
-            <a:r>
-              <a:rPr lang="en-US" altLang="ko-KR" dirty="0" smtClean="0"/>
+              <a:t>elif</a:t>
+            </a:r>
+            <a:r>
+              <a:rPr lang="en-US" altLang="ko-KR" dirty="0"/>
               <a:t> : else if</a:t>
             </a:r>
+          </a:p>
+          <a:p>
             <a:endParaRPr lang="en-US" altLang="ko-KR" dirty="0"/>
           </a:p>
           <a:p>
-            <a:endParaRPr lang="en-US" altLang="ko-KR" dirty="0"/>
-          </a:p>
-          <a:p>
-            <a:r>
-              <a:rPr lang="en-US" altLang="ko-KR" dirty="0" smtClean="0"/>
+            <a:r>
+              <a:rPr lang="en-US" altLang="ko-KR" dirty="0"/>
               <a:t>for ~ in ~ : </a:t>
             </a:r>
             <a:r>
@@ -7090,30 +6999,22 @@
             </a:r>
             <a:r>
               <a:rPr lang="ko-KR" altLang="en-US" dirty="0"/>
-              <a:t>문자열의 첫 번째 </a:t>
-            </a:r>
-            <a:r>
-              <a:rPr lang="ko-KR" altLang="en-US" dirty="0" smtClean="0"/>
-              <a:t>요소부터</a:t>
+              <a:t>문자열의 첫 번째 요소부터</a:t>
             </a:r>
             <a:r>
               <a:rPr lang="en-US" altLang="ko-KR" dirty="0"/>
               <a:t> </a:t>
             </a:r>
             <a:r>
-              <a:rPr lang="ko-KR" altLang="en-US" dirty="0" smtClean="0"/>
+              <a:rPr lang="ko-KR" altLang="en-US" dirty="0"/>
               <a:t>마지막 요소까지</a:t>
             </a:r>
-            <a:endParaRPr lang="en-US" altLang="ko-KR" dirty="0" smtClean="0"/>
-          </a:p>
-          <a:p>
-            <a:r>
-              <a:rPr lang="ko-KR" altLang="en-US" dirty="0" smtClean="0"/>
-              <a:t>차례로 </a:t>
-            </a:r>
-            <a:r>
-              <a:rPr lang="ko-KR" altLang="en-US" dirty="0"/>
-              <a:t>변수에 대입되어 </a:t>
+            <a:endParaRPr lang="en-US" altLang="ko-KR" dirty="0"/>
+          </a:p>
+          <a:p>
+            <a:r>
+              <a:rPr lang="ko-KR" altLang="en-US" dirty="0"/>
+              <a:t>차례로 변수에 대입되어 </a:t>
             </a:r>
             <a:r>
               <a:rPr lang="en-US" altLang="ko-KR" dirty="0"/>
@@ -7137,35 +7038,22 @@
             </a:r>
             <a:r>
               <a:rPr lang="ko-KR" altLang="en-US" dirty="0"/>
-              <a:t>등이 </a:t>
-            </a:r>
-            <a:r>
-              <a:rPr lang="ko-KR" altLang="en-US" dirty="0" smtClean="0"/>
-              <a:t>수행</a:t>
-            </a:r>
-            <a:endParaRPr lang="en-US" altLang="ko-KR" dirty="0" smtClean="0"/>
-          </a:p>
-          <a:p>
+              <a:t>등이 수행</a:t>
+            </a:r>
             <a:endParaRPr lang="en-US" altLang="ko-KR" dirty="0"/>
           </a:p>
           <a:p>
-            <a:r>
-              <a:rPr lang="en-US" altLang="ko-KR" dirty="0"/>
-              <a:t>r</a:t>
-            </a:r>
-            <a:r>
-              <a:rPr lang="en-US" altLang="ko-KR" dirty="0" smtClean="0"/>
-              <a:t>ange() : </a:t>
-            </a:r>
-            <a:r>
-              <a:rPr lang="ko-KR" altLang="en-US" dirty="0"/>
-              <a:t>차례대로 증가하는 숫자들을 갖는 리스트를 </a:t>
-            </a:r>
-            <a:r>
-              <a:rPr lang="ko-KR" altLang="en-US" dirty="0" smtClean="0"/>
-              <a:t>만듦</a:t>
-            </a:r>
-            <a:endParaRPr lang="ko-KR" altLang="en-US" dirty="0"/>
+            <a:endParaRPr lang="en-US" altLang="ko-KR" dirty="0"/>
+          </a:p>
+          <a:p>
+            <a:r>
+              <a:rPr lang="en-US" altLang="ko-KR" dirty="0"/>
+              <a:t>range() : </a:t>
+            </a:r>
+            <a:r>
+              <a:rPr lang="ko-KR" altLang="en-US" dirty="0"/>
+              <a:t>차례대로 증가하는 숫자들을 갖는 리스트를 만듦</a:t>
+            </a:r>
           </a:p>
         </p:txBody>
       </p:sp>
@@ -7192,10 +7080,9 @@
           <a:lstStyle/>
           <a:p>
             <a:r>
-              <a:rPr lang="ko-KR" altLang="en-US" sz="2500" dirty="0" smtClean="0"/>
+              <a:rPr lang="ko-KR" altLang="en-US" sz="2500" dirty="0"/>
               <a:t>알아낸 용어나 위에 쓰인 것들은 모두 구글 검색을 활용</a:t>
             </a:r>
-            <a:endParaRPr lang="ko-KR" altLang="en-US" sz="2500" dirty="0"/>
           </a:p>
         </p:txBody>
       </p:sp>
@@ -7209,13 +7096,6 @@
   <p:clrMapOvr>
     <a:masterClrMapping/>
   </p:clrMapOvr>
-  <p:timing>
-    <p:tnLst>
-      <p:par>
-        <p:cTn id="1" dur="indefinite" restart="never" nodeType="tmRoot"/>
-      </p:par>
-    </p:tnLst>
-  </p:timing>
 </p:sld>
 </file>
 
@@ -7252,11 +7132,11 @@
           <a:lstStyle/>
           <a:p>
             <a:r>
-              <a:rPr lang="ko-KR" altLang="en-US" dirty="0" smtClean="0"/>
+              <a:rPr lang="ko-KR" altLang="en-US" dirty="0"/>
               <a:t>실습 </a:t>
             </a:r>
             <a:r>
-              <a:rPr lang="en-US" altLang="ko-KR" dirty="0" smtClean="0"/>
+              <a:rPr lang="en-US" altLang="ko-KR" dirty="0"/>
               <a:t>1</a:t>
             </a:r>
             <a:endParaRPr lang="ko-KR" altLang="en-US" dirty="0"/>
@@ -7316,15 +7196,15 @@
           <a:lstStyle/>
           <a:p>
             <a:r>
-              <a:rPr lang="en-US" altLang="ko-KR" dirty="0" smtClean="0"/>
+              <a:rPr lang="en-US" altLang="ko-KR" dirty="0"/>
               <a:t>&lt;</a:t>
             </a:r>
             <a:r>
-              <a:rPr lang="ko-KR" altLang="en-US" dirty="0" smtClean="0"/>
+              <a:rPr lang="ko-KR" altLang="en-US" dirty="0"/>
               <a:t>실행 결과</a:t>
             </a:r>
             <a:r>
-              <a:rPr lang="en-US" altLang="ko-KR" dirty="0" smtClean="0"/>
+              <a:rPr lang="en-US" altLang="ko-KR" dirty="0"/>
               <a:t>&gt;</a:t>
             </a:r>
             <a:endParaRPr lang="ko-KR" altLang="en-US" dirty="0"/>
@@ -7357,92 +7237,91 @@
               <a:buAutoNum type="arabicPeriod"/>
             </a:pPr>
             <a:r>
-              <a:rPr lang="ko-KR" altLang="en-US" dirty="0" smtClean="0"/>
+              <a:rPr lang="ko-KR" altLang="en-US" dirty="0"/>
               <a:t>나누기 연산자인 </a:t>
             </a:r>
             <a:r>
-              <a:rPr lang="en-US" altLang="ko-KR" dirty="0" smtClean="0"/>
+              <a:rPr lang="en-US" altLang="ko-KR" dirty="0"/>
               <a:t>‘/’</a:t>
             </a:r>
             <a:r>
-              <a:rPr lang="ko-KR" altLang="en-US" dirty="0" smtClean="0"/>
+              <a:rPr lang="ko-KR" altLang="en-US" dirty="0"/>
               <a:t>를 사용하여 나눗셈 연산</a:t>
             </a:r>
-            <a:endParaRPr lang="en-US" altLang="ko-KR" dirty="0" smtClean="0"/>
+            <a:endParaRPr lang="en-US" altLang="ko-KR" dirty="0"/>
           </a:p>
           <a:p>
             <a:pPr marL="342900" indent="-342900">
               <a:buAutoNum type="arabicPeriod"/>
             </a:pPr>
             <a:r>
-              <a:rPr lang="ko-KR" altLang="en-US" dirty="0" smtClean="0"/>
+              <a:rPr lang="ko-KR" altLang="en-US" dirty="0"/>
               <a:t>몫 연산자인 </a:t>
             </a:r>
             <a:r>
-              <a:rPr lang="en-US" altLang="ko-KR" dirty="0" smtClean="0"/>
+              <a:rPr lang="en-US" altLang="ko-KR" dirty="0"/>
               <a:t>‘%’</a:t>
             </a:r>
             <a:r>
-              <a:rPr lang="ko-KR" altLang="en-US" dirty="0" smtClean="0"/>
+              <a:rPr lang="ko-KR" altLang="en-US" dirty="0"/>
               <a:t>를 사용하여 몫 계산</a:t>
             </a:r>
-            <a:endParaRPr lang="en-US" altLang="ko-KR" dirty="0" smtClean="0"/>
+            <a:endParaRPr lang="en-US" altLang="ko-KR" dirty="0"/>
           </a:p>
           <a:p>
             <a:pPr marL="342900" indent="-342900">
               <a:buAutoNum type="arabicPeriod"/>
             </a:pPr>
             <a:r>
-              <a:rPr lang="en-US" altLang="ko-KR" dirty="0" smtClean="0"/>
+              <a:rPr lang="en-US" altLang="ko-KR" dirty="0"/>
               <a:t>print </a:t>
             </a:r>
             <a:r>
-              <a:rPr lang="ko-KR" altLang="en-US" dirty="0" smtClean="0"/>
+              <a:rPr lang="ko-KR" altLang="en-US" dirty="0"/>
               <a:t>함수를 사용하여 </a:t>
             </a:r>
             <a:r>
-              <a:rPr lang="en-US" altLang="ko-KR" dirty="0" smtClean="0"/>
+              <a:rPr lang="en-US" altLang="ko-KR" dirty="0"/>
               <a:t>“</a:t>
             </a:r>
             <a:r>
-              <a:rPr lang="ko-KR" altLang="en-US" dirty="0" smtClean="0"/>
+              <a:rPr lang="ko-KR" altLang="en-US" dirty="0"/>
               <a:t>안녕하세요</a:t>
             </a:r>
             <a:r>
-              <a:rPr lang="en-US" altLang="ko-KR" dirty="0" smtClean="0"/>
+              <a:rPr lang="en-US" altLang="ko-KR" dirty="0"/>
               <a:t>, </a:t>
             </a:r>
             <a:r>
-              <a:rPr lang="ko-KR" altLang="en-US" dirty="0" smtClean="0"/>
+              <a:rPr lang="ko-KR" altLang="en-US" dirty="0"/>
               <a:t>컴퓨터공학과 </a:t>
             </a:r>
             <a:r>
-              <a:rPr lang="en-US" altLang="ko-KR" dirty="0" smtClean="0"/>
+              <a:rPr lang="en-US" altLang="ko-KR" dirty="0"/>
               <a:t>!” </a:t>
             </a:r>
             <a:r>
-              <a:rPr lang="ko-KR" altLang="en-US" dirty="0" smtClean="0"/>
+              <a:rPr lang="ko-KR" altLang="en-US" dirty="0"/>
               <a:t>출력</a:t>
             </a:r>
-            <a:endParaRPr lang="en-US" altLang="ko-KR" dirty="0" smtClean="0"/>
+            <a:endParaRPr lang="en-US" altLang="ko-KR" dirty="0"/>
           </a:p>
           <a:p>
             <a:pPr marL="342900" indent="-342900">
               <a:buAutoNum type="arabicPeriod"/>
             </a:pPr>
             <a:r>
-              <a:rPr lang="ko-KR" altLang="en-US" dirty="0" smtClean="0"/>
+              <a:rPr lang="ko-KR" altLang="en-US" dirty="0"/>
               <a:t>제곱 연산자인 </a:t>
             </a:r>
             <a:r>
-              <a:rPr lang="en-US" altLang="ko-KR" dirty="0" smtClean="0"/>
+              <a:rPr lang="en-US" altLang="ko-KR" dirty="0"/>
               <a:t>‘**’</a:t>
             </a:r>
             <a:r>
-              <a:rPr lang="ko-KR" altLang="en-US" dirty="0" smtClean="0"/>
+              <a:rPr lang="ko-KR" altLang="en-US" dirty="0"/>
               <a:t>를 사용하여 제곱 계산</a:t>
             </a:r>
-            <a:endParaRPr lang="ko-KR" altLang="en-US" dirty="0"/>
           </a:p>
         </p:txBody>
       </p:sp>
@@ -7469,18 +7348,17 @@
           <a:lstStyle/>
           <a:p>
             <a:r>
-              <a:rPr lang="en-US" altLang="ko-KR" dirty="0" smtClean="0"/>
+              <a:rPr lang="en-US" altLang="ko-KR" dirty="0"/>
               <a:t>&lt;</a:t>
             </a:r>
             <a:r>
-              <a:rPr lang="ko-KR" altLang="en-US" dirty="0" smtClean="0"/>
+              <a:rPr lang="ko-KR" altLang="en-US" dirty="0"/>
               <a:t>설명</a:t>
             </a:r>
             <a:r>
-              <a:rPr lang="en-US" altLang="ko-KR" dirty="0" smtClean="0"/>
+              <a:rPr lang="en-US" altLang="ko-KR" dirty="0"/>
               <a:t>&gt;</a:t>
             </a:r>
-            <a:endParaRPr lang="en-US" altLang="ko-KR" dirty="0"/>
           </a:p>
           <a:p>
             <a:endParaRPr lang="ko-KR" altLang="en-US" dirty="0"/>
@@ -7497,13 +7375,6 @@
   <p:clrMapOvr>
     <a:masterClrMapping/>
   </p:clrMapOvr>
-  <p:timing>
-    <p:tnLst>
-      <p:par>
-        <p:cTn id="1" dur="indefinite" restart="never" nodeType="tmRoot"/>
-      </p:par>
-    </p:tnLst>
-  </p:timing>
 </p:sld>
 </file>
 
@@ -7540,11 +7411,11 @@
           <a:lstStyle/>
           <a:p>
             <a:r>
-              <a:rPr lang="ko-KR" altLang="en-US" dirty="0" smtClean="0"/>
+              <a:rPr lang="ko-KR" altLang="en-US" dirty="0"/>
               <a:t>실습 </a:t>
             </a:r>
             <a:r>
-              <a:rPr lang="en-US" altLang="ko-KR" dirty="0" smtClean="0"/>
+              <a:rPr lang="en-US" altLang="ko-KR" dirty="0"/>
               <a:t>2</a:t>
             </a:r>
             <a:endParaRPr lang="ko-KR" altLang="en-US" dirty="0"/>
@@ -7633,15 +7504,15 @@
           <a:lstStyle/>
           <a:p>
             <a:r>
-              <a:rPr lang="en-US" altLang="ko-KR" dirty="0" smtClean="0"/>
+              <a:rPr lang="en-US" altLang="ko-KR" dirty="0"/>
               <a:t>&lt;</a:t>
             </a:r>
             <a:r>
-              <a:rPr lang="ko-KR" altLang="en-US" dirty="0" smtClean="0"/>
+              <a:rPr lang="ko-KR" altLang="en-US" dirty="0"/>
               <a:t>실행 결과</a:t>
             </a:r>
             <a:r>
-              <a:rPr lang="en-US" altLang="ko-KR" dirty="0" smtClean="0"/>
+              <a:rPr lang="en-US" altLang="ko-KR" dirty="0"/>
               <a:t>&gt;</a:t>
             </a:r>
             <a:endParaRPr lang="ko-KR" altLang="en-US" dirty="0"/>
@@ -7671,15 +7542,15 @@
           <a:lstStyle/>
           <a:p>
             <a:r>
-              <a:rPr lang="en-US" altLang="ko-KR" dirty="0" smtClean="0"/>
+              <a:rPr lang="en-US" altLang="ko-KR" dirty="0"/>
               <a:t>&lt;</a:t>
             </a:r>
             <a:r>
-              <a:rPr lang="ko-KR" altLang="en-US" dirty="0" smtClean="0"/>
+              <a:rPr lang="ko-KR" altLang="en-US" dirty="0"/>
               <a:t>소스 코드</a:t>
             </a:r>
             <a:r>
-              <a:rPr lang="en-US" altLang="ko-KR" dirty="0" smtClean="0"/>
+              <a:rPr lang="en-US" altLang="ko-KR" dirty="0"/>
               <a:t>&gt;</a:t>
             </a:r>
             <a:endParaRPr lang="ko-KR" altLang="en-US" dirty="0"/>
@@ -7712,116 +7583,111 @@
               <a:buAutoNum type="arabicPeriod"/>
             </a:pPr>
             <a:r>
-              <a:rPr lang="ko-KR" altLang="en-US" dirty="0" smtClean="0"/>
+              <a:rPr lang="ko-KR" altLang="en-US" dirty="0"/>
               <a:t>입력</a:t>
             </a:r>
             <a:r>
               <a:rPr lang="en-US" altLang="ko-KR" dirty="0"/>
-              <a:t> </a:t>
-            </a:r>
-            <a:r>
-              <a:rPr lang="en-US" altLang="ko-KR" dirty="0" smtClean="0"/>
-              <a:t>-&gt; </a:t>
-            </a:r>
-            <a:r>
-              <a:rPr lang="ko-KR" altLang="en-US" dirty="0" smtClean="0"/>
+              <a:t> -&gt; </a:t>
+            </a:r>
+            <a:r>
+              <a:rPr lang="ko-KR" altLang="en-US" dirty="0"/>
               <a:t>정수로 변환 </a:t>
             </a:r>
             <a:r>
-              <a:rPr lang="en-US" altLang="ko-KR" dirty="0" smtClean="0"/>
+              <a:rPr lang="en-US" altLang="ko-KR" dirty="0"/>
               <a:t>-&gt; guess</a:t>
             </a:r>
             <a:r>
-              <a:rPr lang="ko-KR" altLang="en-US" dirty="0" smtClean="0"/>
+              <a:rPr lang="ko-KR" altLang="en-US" dirty="0"/>
               <a:t>에 대입</a:t>
             </a:r>
-            <a:endParaRPr lang="en-US" altLang="ko-KR" dirty="0" smtClean="0"/>
+            <a:endParaRPr lang="en-US" altLang="ko-KR" dirty="0"/>
           </a:p>
           <a:p>
             <a:pPr marL="342900" indent="-342900">
               <a:buAutoNum type="arabicPeriod"/>
             </a:pPr>
             <a:r>
-              <a:rPr lang="en-US" altLang="ko-KR" dirty="0" smtClean="0"/>
+              <a:rPr lang="en-US" altLang="ko-KR" dirty="0"/>
               <a:t>guess</a:t>
             </a:r>
             <a:r>
-              <a:rPr lang="ko-KR" altLang="en-US" dirty="0" smtClean="0"/>
+              <a:rPr lang="ko-KR" altLang="en-US" dirty="0"/>
               <a:t>가 </a:t>
             </a:r>
             <a:r>
-              <a:rPr lang="en-US" altLang="ko-KR" dirty="0" smtClean="0"/>
+              <a:rPr lang="en-US" altLang="ko-KR" dirty="0"/>
               <a:t>5</a:t>
             </a:r>
             <a:r>
-              <a:rPr lang="ko-KR" altLang="en-US" dirty="0" smtClean="0"/>
+              <a:rPr lang="ko-KR" altLang="en-US" dirty="0"/>
               <a:t>라면 </a:t>
             </a:r>
             <a:r>
-              <a:rPr lang="en-US" altLang="ko-KR" dirty="0" smtClean="0"/>
+              <a:rPr lang="en-US" altLang="ko-KR" dirty="0"/>
               <a:t>“</a:t>
             </a:r>
             <a:r>
-              <a:rPr lang="ko-KR" altLang="en-US" dirty="0" smtClean="0"/>
+              <a:rPr lang="ko-KR" altLang="en-US" dirty="0"/>
               <a:t>맞혔네요</a:t>
             </a:r>
             <a:r>
-              <a:rPr lang="en-US" altLang="ko-KR" dirty="0" smtClean="0"/>
+              <a:rPr lang="en-US" altLang="ko-KR" dirty="0"/>
               <a:t>!” </a:t>
             </a:r>
             <a:r>
-              <a:rPr lang="ko-KR" altLang="en-US" dirty="0" smtClean="0"/>
+              <a:rPr lang="ko-KR" altLang="en-US" dirty="0"/>
               <a:t>출력</a:t>
             </a:r>
-            <a:endParaRPr lang="en-US" altLang="ko-KR" dirty="0" smtClean="0"/>
+            <a:endParaRPr lang="en-US" altLang="ko-KR" dirty="0"/>
           </a:p>
           <a:p>
             <a:pPr marL="342900" indent="-342900">
               <a:buAutoNum type="arabicPeriod"/>
             </a:pPr>
             <a:r>
-              <a:rPr lang="ko-KR" altLang="en-US" dirty="0" smtClean="0"/>
+              <a:rPr lang="ko-KR" altLang="en-US" dirty="0"/>
               <a:t>아니라면 </a:t>
             </a:r>
             <a:r>
-              <a:rPr lang="en-US" altLang="ko-KR" dirty="0" smtClean="0"/>
+              <a:rPr lang="en-US" altLang="ko-KR" dirty="0"/>
               <a:t>“</a:t>
             </a:r>
             <a:r>
-              <a:rPr lang="ko-KR" altLang="en-US" dirty="0" smtClean="0"/>
+              <a:rPr lang="ko-KR" altLang="en-US" dirty="0"/>
               <a:t>틀렸네요</a:t>
             </a:r>
             <a:r>
-              <a:rPr lang="en-US" altLang="ko-KR" dirty="0" smtClean="0"/>
+              <a:rPr lang="en-US" altLang="ko-KR" dirty="0"/>
               <a:t>!” </a:t>
             </a:r>
             <a:r>
-              <a:rPr lang="ko-KR" altLang="en-US" dirty="0" smtClean="0"/>
+              <a:rPr lang="ko-KR" altLang="en-US" dirty="0"/>
               <a:t>출력</a:t>
             </a:r>
-            <a:endParaRPr lang="en-US" altLang="ko-KR" dirty="0" smtClean="0"/>
+            <a:endParaRPr lang="en-US" altLang="ko-KR" dirty="0"/>
           </a:p>
           <a:p>
             <a:pPr marL="342900" indent="-342900">
               <a:buAutoNum type="arabicPeriod"/>
             </a:pPr>
             <a:r>
-              <a:rPr lang="en-US" altLang="ko-KR" dirty="0" smtClean="0"/>
+              <a:rPr lang="en-US" altLang="ko-KR" dirty="0"/>
               <a:t>“</a:t>
             </a:r>
             <a:r>
-              <a:rPr lang="ko-KR" altLang="en-US" dirty="0" smtClean="0"/>
+              <a:rPr lang="ko-KR" altLang="en-US" dirty="0"/>
               <a:t>게임 끝</a:t>
             </a:r>
             <a:r>
-              <a:rPr lang="en-US" altLang="ko-KR" dirty="0" smtClean="0"/>
+              <a:rPr lang="en-US" altLang="ko-KR" dirty="0"/>
               <a:t>“ </a:t>
             </a:r>
             <a:r>
-              <a:rPr lang="ko-KR" altLang="en-US" dirty="0" smtClean="0"/>
+              <a:rPr lang="ko-KR" altLang="en-US" dirty="0"/>
               <a:t>출력 후 프로그램 종료</a:t>
             </a:r>
-            <a:endParaRPr lang="ko-KR" altLang="en-US" dirty="0"/>
           </a:p>
         </p:txBody>
       </p:sp>
@@ -7848,18 +7714,17 @@
           <a:lstStyle/>
           <a:p>
             <a:r>
-              <a:rPr lang="en-US" altLang="ko-KR" dirty="0" smtClean="0"/>
+              <a:rPr lang="en-US" altLang="ko-KR" dirty="0"/>
               <a:t>&lt;</a:t>
             </a:r>
             <a:r>
-              <a:rPr lang="ko-KR" altLang="en-US" dirty="0" smtClean="0"/>
+              <a:rPr lang="ko-KR" altLang="en-US" dirty="0"/>
               <a:t>설명</a:t>
             </a:r>
             <a:r>
-              <a:rPr lang="en-US" altLang="ko-KR" dirty="0" smtClean="0"/>
+              <a:rPr lang="en-US" altLang="ko-KR" dirty="0"/>
               <a:t>&gt;</a:t>
             </a:r>
-            <a:endParaRPr lang="en-US" altLang="ko-KR" dirty="0"/>
           </a:p>
           <a:p>
             <a:endParaRPr lang="ko-KR" altLang="en-US" dirty="0"/>
@@ -7876,13 +7741,6 @@
   <p:clrMapOvr>
     <a:masterClrMapping/>
   </p:clrMapOvr>
-  <p:timing>
-    <p:tnLst>
-      <p:par>
-        <p:cTn id="1" dur="indefinite" restart="never" nodeType="tmRoot"/>
-      </p:par>
-    </p:tnLst>
-  </p:timing>
 </p:sld>
 </file>
 
@@ -7919,11 +7777,11 @@
           <a:lstStyle/>
           <a:p>
             <a:r>
-              <a:rPr lang="ko-KR" altLang="en-US" dirty="0" smtClean="0"/>
+              <a:rPr lang="ko-KR" altLang="en-US" dirty="0"/>
               <a:t>실습 </a:t>
             </a:r>
             <a:r>
-              <a:rPr lang="en-US" altLang="ko-KR" dirty="0" smtClean="0"/>
+              <a:rPr lang="en-US" altLang="ko-KR" dirty="0"/>
               <a:t>3</a:t>
             </a:r>
             <a:endParaRPr lang="ko-KR" altLang="en-US" dirty="0"/>
@@ -7953,15 +7811,15 @@
           <a:lstStyle/>
           <a:p>
             <a:r>
-              <a:rPr lang="en-US" altLang="ko-KR" dirty="0" smtClean="0"/>
+              <a:rPr lang="en-US" altLang="ko-KR" dirty="0"/>
               <a:t>&lt;</a:t>
             </a:r>
             <a:r>
-              <a:rPr lang="ko-KR" altLang="en-US" dirty="0" smtClean="0"/>
+              <a:rPr lang="ko-KR" altLang="en-US" dirty="0"/>
               <a:t>실행 결과</a:t>
             </a:r>
             <a:r>
-              <a:rPr lang="en-US" altLang="ko-KR" dirty="0" smtClean="0"/>
+              <a:rPr lang="en-US" altLang="ko-KR" dirty="0"/>
               <a:t>&gt;</a:t>
             </a:r>
             <a:endParaRPr lang="ko-KR" altLang="en-US" dirty="0"/>
@@ -7991,15 +7849,15 @@
           <a:lstStyle/>
           <a:p>
             <a:r>
-              <a:rPr lang="en-US" altLang="ko-KR" dirty="0" smtClean="0"/>
+              <a:rPr lang="en-US" altLang="ko-KR" dirty="0"/>
               <a:t>&lt;</a:t>
             </a:r>
             <a:r>
-              <a:rPr lang="ko-KR" altLang="en-US" dirty="0" smtClean="0"/>
+              <a:rPr lang="ko-KR" altLang="en-US" dirty="0"/>
               <a:t>소스 코드</a:t>
             </a:r>
             <a:r>
-              <a:rPr lang="en-US" altLang="ko-KR" dirty="0" smtClean="0"/>
+              <a:rPr lang="en-US" altLang="ko-KR" dirty="0"/>
               <a:t>&gt;</a:t>
             </a:r>
             <a:endParaRPr lang="ko-KR" altLang="en-US" dirty="0"/>
@@ -8032,90 +7890,86 @@
               <a:buAutoNum type="arabicPeriod"/>
             </a:pPr>
             <a:r>
-              <a:rPr lang="ko-KR" altLang="en-US" dirty="0" smtClean="0"/>
+              <a:rPr lang="ko-KR" altLang="en-US" dirty="0"/>
               <a:t>입력</a:t>
             </a:r>
             <a:r>
               <a:rPr lang="en-US" altLang="ko-KR" dirty="0"/>
-              <a:t> </a:t>
-            </a:r>
-            <a:r>
-              <a:rPr lang="en-US" altLang="ko-KR" dirty="0" smtClean="0"/>
-              <a:t>-&gt; </a:t>
-            </a:r>
-            <a:r>
-              <a:rPr lang="ko-KR" altLang="en-US" dirty="0" smtClean="0"/>
+              <a:t> -&gt; </a:t>
+            </a:r>
+            <a:r>
+              <a:rPr lang="ko-KR" altLang="en-US" dirty="0"/>
               <a:t>정수로 변환 </a:t>
             </a:r>
             <a:r>
-              <a:rPr lang="en-US" altLang="ko-KR" dirty="0" smtClean="0"/>
+              <a:rPr lang="en-US" altLang="ko-KR" dirty="0"/>
               <a:t>-&gt; guess</a:t>
             </a:r>
             <a:r>
-              <a:rPr lang="ko-KR" altLang="en-US" dirty="0" smtClean="0"/>
+              <a:rPr lang="ko-KR" altLang="en-US" dirty="0"/>
               <a:t>에 대입</a:t>
             </a:r>
-            <a:endParaRPr lang="en-US" altLang="ko-KR" dirty="0" smtClean="0"/>
+            <a:endParaRPr lang="en-US" altLang="ko-KR" dirty="0"/>
           </a:p>
           <a:p>
             <a:pPr marL="342900" indent="-342900">
               <a:buAutoNum type="arabicPeriod"/>
             </a:pPr>
             <a:r>
-              <a:rPr lang="en-US" altLang="ko-KR" dirty="0" smtClean="0"/>
+              <a:rPr lang="en-US" altLang="ko-KR" dirty="0"/>
               <a:t>guess</a:t>
             </a:r>
             <a:r>
-              <a:rPr lang="ko-KR" altLang="en-US" dirty="0" smtClean="0"/>
+              <a:rPr lang="ko-KR" altLang="en-US" dirty="0"/>
               <a:t>가 </a:t>
             </a:r>
             <a:r>
-              <a:rPr lang="en-US" altLang="ko-KR" dirty="0" smtClean="0"/>
+              <a:rPr lang="en-US" altLang="ko-KR" dirty="0"/>
               <a:t>5</a:t>
             </a:r>
             <a:r>
-              <a:rPr lang="ko-KR" altLang="en-US" dirty="0" smtClean="0"/>
+              <a:rPr lang="ko-KR" altLang="en-US" dirty="0"/>
               <a:t>라면 </a:t>
             </a:r>
             <a:r>
-              <a:rPr lang="en-US" altLang="ko-KR" dirty="0" smtClean="0"/>
+              <a:rPr lang="en-US" altLang="ko-KR" dirty="0"/>
               <a:t>“You win!” </a:t>
             </a:r>
             <a:r>
-              <a:rPr lang="ko-KR" altLang="en-US" dirty="0" smtClean="0"/>
+              <a:rPr lang="ko-KR" altLang="en-US" dirty="0"/>
               <a:t>출력</a:t>
             </a:r>
-            <a:endParaRPr lang="en-US" altLang="ko-KR" dirty="0" smtClean="0"/>
+            <a:endParaRPr lang="en-US" altLang="ko-KR" dirty="0"/>
           </a:p>
           <a:p>
             <a:pPr marL="342900" indent="-342900">
               <a:buAutoNum type="arabicPeriod"/>
             </a:pPr>
             <a:r>
-              <a:rPr lang="en-US" altLang="ko-KR" dirty="0" smtClean="0"/>
+              <a:rPr lang="en-US" altLang="ko-KR" dirty="0"/>
               <a:t>5</a:t>
             </a:r>
             <a:r>
-              <a:rPr lang="ko-KR" altLang="en-US" dirty="0" smtClean="0"/>
+              <a:rPr lang="ko-KR" altLang="en-US" dirty="0"/>
               <a:t>가 아니고 </a:t>
             </a:r>
             <a:r>
-              <a:rPr lang="en-US" altLang="ko-KR" dirty="0" smtClean="0"/>
+              <a:rPr lang="en-US" altLang="ko-KR" dirty="0"/>
               <a:t>guess</a:t>
             </a:r>
             <a:r>
-              <a:rPr lang="ko-KR" altLang="en-US" dirty="0" smtClean="0"/>
+              <a:rPr lang="ko-KR" altLang="en-US" dirty="0"/>
               <a:t>가 5보다 크다면 </a:t>
             </a:r>
             <a:r>
-              <a:rPr lang="en-US" altLang="ko-KR" dirty="0" smtClean="0"/>
+              <a:rPr lang="en-US" altLang="ko-KR" dirty="0"/>
               <a:t>“Too high” </a:t>
             </a:r>
             <a:r>
-              <a:rPr lang="ko-KR" altLang="en-US" dirty="0" smtClean="0"/>
+              <a:rPr lang="ko-KR" altLang="en-US" dirty="0"/>
               <a:t>출력</a:t>
             </a:r>
-            <a:endParaRPr lang="en-US" altLang="ko-KR" dirty="0" smtClean="0"/>
+            <a:endParaRPr lang="en-US" altLang="ko-KR" dirty="0"/>
           </a:p>
           <a:p>
             <a:pPr marL="342900" indent="-342900">
@@ -8136,39 +7990,30 @@
             </a:r>
             <a:r>
               <a:rPr lang="ko-KR" altLang="en-US" dirty="0"/>
-              <a:t>가 5보다 </a:t>
-            </a:r>
-            <a:r>
-              <a:rPr lang="ko-KR" altLang="en-US" dirty="0" smtClean="0"/>
-              <a:t>작다면 </a:t>
-            </a:r>
-            <a:r>
-              <a:rPr lang="en-US" altLang="ko-KR" dirty="0"/>
-              <a:t>“Too </a:t>
-            </a:r>
-            <a:r>
-              <a:rPr lang="en-US" altLang="ko-KR" dirty="0" smtClean="0"/>
-              <a:t>low” </a:t>
-            </a:r>
-            <a:r>
-              <a:rPr lang="ko-KR" altLang="en-US" dirty="0" smtClean="0"/>
+              <a:t>가 5보다 작다면 </a:t>
+            </a:r>
+            <a:r>
+              <a:rPr lang="en-US" altLang="ko-KR" dirty="0"/>
+              <a:t>“Too low” </a:t>
+            </a:r>
+            <a:r>
+              <a:rPr lang="ko-KR" altLang="en-US" dirty="0"/>
               <a:t>출력</a:t>
             </a:r>
-            <a:endParaRPr lang="en-US" altLang="ko-KR" dirty="0" smtClean="0"/>
+            <a:endParaRPr lang="en-US" altLang="ko-KR" dirty="0"/>
           </a:p>
           <a:p>
             <a:pPr marL="342900" indent="-342900">
               <a:buAutoNum type="arabicPeriod"/>
             </a:pPr>
             <a:r>
-              <a:rPr lang="en-US" altLang="ko-KR" dirty="0" smtClean="0"/>
+              <a:rPr lang="en-US" altLang="ko-KR" dirty="0"/>
               <a:t>“Game over!“ </a:t>
             </a:r>
             <a:r>
-              <a:rPr lang="ko-KR" altLang="en-US" dirty="0" smtClean="0"/>
+              <a:rPr lang="ko-KR" altLang="en-US" dirty="0"/>
               <a:t>출력 후 프로그램 종료</a:t>
             </a:r>
-            <a:endParaRPr lang="ko-KR" altLang="en-US" dirty="0"/>
           </a:p>
         </p:txBody>
       </p:sp>
@@ -8195,18 +8040,17 @@
           <a:lstStyle/>
           <a:p>
             <a:r>
-              <a:rPr lang="en-US" altLang="ko-KR" dirty="0" smtClean="0"/>
+              <a:rPr lang="en-US" altLang="ko-KR" dirty="0"/>
               <a:t>&lt;</a:t>
             </a:r>
             <a:r>
-              <a:rPr lang="ko-KR" altLang="en-US" dirty="0" smtClean="0"/>
+              <a:rPr lang="ko-KR" altLang="en-US" dirty="0"/>
               <a:t>설명</a:t>
             </a:r>
             <a:r>
-              <a:rPr lang="en-US" altLang="ko-KR" dirty="0" smtClean="0"/>
+              <a:rPr lang="en-US" altLang="ko-KR" dirty="0"/>
               <a:t>&gt;</a:t>
             </a:r>
-            <a:endParaRPr lang="en-US" altLang="ko-KR" dirty="0"/>
           </a:p>
           <a:p>
             <a:endParaRPr lang="ko-KR" altLang="en-US" dirty="0"/>
@@ -8282,13 +8126,6 @@
   <p:clrMapOvr>
     <a:masterClrMapping/>
   </p:clrMapOvr>
-  <p:timing>
-    <p:tnLst>
-      <p:par>
-        <p:cTn id="1" dur="indefinite" restart="never" nodeType="tmRoot"/>
-      </p:par>
-    </p:tnLst>
-  </p:timing>
 </p:sld>
 </file>
 
@@ -8325,11 +8162,11 @@
           <a:lstStyle/>
           <a:p>
             <a:r>
-              <a:rPr lang="ko-KR" altLang="en-US" dirty="0" smtClean="0"/>
+              <a:rPr lang="ko-KR" altLang="en-US" dirty="0"/>
               <a:t>실습 </a:t>
             </a:r>
             <a:r>
-              <a:rPr lang="en-US" altLang="ko-KR" dirty="0" smtClean="0"/>
+              <a:rPr lang="en-US" altLang="ko-KR" dirty="0"/>
               <a:t>4</a:t>
             </a:r>
             <a:endParaRPr lang="ko-KR" altLang="en-US" dirty="0"/>
@@ -8359,15 +8196,15 @@
           <a:lstStyle/>
           <a:p>
             <a:r>
-              <a:rPr lang="en-US" altLang="ko-KR" dirty="0" smtClean="0"/>
+              <a:rPr lang="en-US" altLang="ko-KR" dirty="0"/>
               <a:t>&lt;</a:t>
             </a:r>
             <a:r>
-              <a:rPr lang="ko-KR" altLang="en-US" dirty="0" smtClean="0"/>
+              <a:rPr lang="ko-KR" altLang="en-US" dirty="0"/>
               <a:t>실행 결과</a:t>
             </a:r>
             <a:r>
-              <a:rPr lang="en-US" altLang="ko-KR" dirty="0" smtClean="0"/>
+              <a:rPr lang="en-US" altLang="ko-KR" dirty="0"/>
               <a:t>&gt;</a:t>
             </a:r>
             <a:endParaRPr lang="ko-KR" altLang="en-US" dirty="0"/>
@@ -8397,15 +8234,15 @@
           <a:lstStyle/>
           <a:p>
             <a:r>
-              <a:rPr lang="en-US" altLang="ko-KR" dirty="0" smtClean="0"/>
+              <a:rPr lang="en-US" altLang="ko-KR" dirty="0"/>
               <a:t>&lt;</a:t>
             </a:r>
             <a:r>
-              <a:rPr lang="ko-KR" altLang="en-US" dirty="0" smtClean="0"/>
+              <a:rPr lang="ko-KR" altLang="en-US" dirty="0"/>
               <a:t>소스 코드</a:t>
             </a:r>
             <a:r>
-              <a:rPr lang="en-US" altLang="ko-KR" dirty="0" smtClean="0"/>
+              <a:rPr lang="en-US" altLang="ko-KR" dirty="0"/>
               <a:t>&gt;</a:t>
             </a:r>
             <a:endParaRPr lang="ko-KR" altLang="en-US" dirty="0"/>
@@ -8439,135 +8276,131 @@
             </a:pPr>
             <a:r>
               <a:rPr lang="en-US" altLang="ko-KR" dirty="0"/>
-              <a:t>g</a:t>
-            </a:r>
-            <a:r>
-              <a:rPr lang="en-US" altLang="ko-KR" dirty="0" smtClean="0"/>
-              <a:t>uess(</a:t>
-            </a:r>
-            <a:r>
-              <a:rPr lang="ko-KR" altLang="en-US" dirty="0" smtClean="0"/>
+              <a:t>guess(</a:t>
+            </a:r>
+            <a:r>
+              <a:rPr lang="ko-KR" altLang="en-US" dirty="0"/>
               <a:t>초기 값</a:t>
             </a:r>
             <a:r>
-              <a:rPr lang="en-US" altLang="ko-KR" dirty="0" smtClean="0"/>
+              <a:rPr lang="en-US" altLang="ko-KR" dirty="0"/>
               <a:t>: 0)</a:t>
             </a:r>
             <a:r>
-              <a:rPr lang="ko-KR" altLang="en-US" dirty="0" smtClean="0"/>
+              <a:rPr lang="ko-KR" altLang="en-US" dirty="0"/>
               <a:t>의 값이 </a:t>
             </a:r>
             <a:r>
-              <a:rPr lang="en-US" altLang="ko-KR" dirty="0" smtClean="0"/>
+              <a:rPr lang="en-US" altLang="ko-KR" dirty="0"/>
               <a:t>5</a:t>
             </a:r>
             <a:r>
-              <a:rPr lang="ko-KR" altLang="en-US" dirty="0" smtClean="0"/>
+              <a:rPr lang="ko-KR" altLang="en-US" dirty="0"/>
               <a:t>가 아니라면 </a:t>
             </a:r>
             <a:r>
-              <a:rPr lang="en-US" altLang="ko-KR" dirty="0" smtClean="0"/>
+              <a:rPr lang="en-US" altLang="ko-KR" dirty="0"/>
               <a:t>Loop </a:t>
             </a:r>
             <a:r>
-              <a:rPr lang="ko-KR" altLang="en-US" dirty="0" smtClean="0"/>
+              <a:rPr lang="ko-KR" altLang="en-US" dirty="0"/>
               <a:t>진입</a:t>
             </a:r>
-            <a:endParaRPr lang="en-US" altLang="ko-KR" dirty="0" smtClean="0"/>
+            <a:endParaRPr lang="en-US" altLang="ko-KR" dirty="0"/>
           </a:p>
           <a:p>
             <a:pPr marL="342900" indent="-342900">
               <a:buAutoNum type="arabicPeriod"/>
             </a:pPr>
             <a:r>
-              <a:rPr lang="ko-KR" altLang="en-US" dirty="0" smtClean="0"/>
+              <a:rPr lang="ko-KR" altLang="en-US" dirty="0"/>
               <a:t>입력</a:t>
             </a:r>
             <a:r>
-              <a:rPr lang="en-US" altLang="ko-KR" dirty="0" smtClean="0"/>
+              <a:rPr lang="en-US" altLang="ko-KR" dirty="0"/>
               <a:t> -&gt; </a:t>
             </a:r>
             <a:r>
-              <a:rPr lang="ko-KR" altLang="en-US" dirty="0" smtClean="0"/>
+              <a:rPr lang="ko-KR" altLang="en-US" dirty="0"/>
               <a:t>정수로 변환 </a:t>
             </a:r>
             <a:r>
-              <a:rPr lang="en-US" altLang="ko-KR" dirty="0" smtClean="0"/>
+              <a:rPr lang="en-US" altLang="ko-KR" dirty="0"/>
               <a:t>-&gt; guess</a:t>
             </a:r>
             <a:r>
-              <a:rPr lang="ko-KR" altLang="en-US" dirty="0" smtClean="0"/>
+              <a:rPr lang="ko-KR" altLang="en-US" dirty="0"/>
               <a:t>에 대입</a:t>
             </a:r>
-            <a:endParaRPr lang="en-US" altLang="ko-KR" dirty="0" smtClean="0"/>
+            <a:endParaRPr lang="en-US" altLang="ko-KR" dirty="0"/>
           </a:p>
           <a:p>
             <a:pPr marL="342900" indent="-342900">
               <a:buAutoNum type="arabicPeriod"/>
             </a:pPr>
             <a:r>
-              <a:rPr lang="en-US" altLang="ko-KR" dirty="0" smtClean="0"/>
+              <a:rPr lang="en-US" altLang="ko-KR" dirty="0"/>
               <a:t>guess</a:t>
             </a:r>
             <a:r>
-              <a:rPr lang="ko-KR" altLang="en-US" dirty="0" smtClean="0"/>
+              <a:rPr lang="ko-KR" altLang="en-US" dirty="0"/>
               <a:t>가 </a:t>
             </a:r>
             <a:r>
-              <a:rPr lang="en-US" altLang="ko-KR" dirty="0" smtClean="0"/>
+              <a:rPr lang="en-US" altLang="ko-KR" dirty="0"/>
               <a:t>5</a:t>
             </a:r>
             <a:r>
-              <a:rPr lang="ko-KR" altLang="en-US" dirty="0" smtClean="0"/>
+              <a:rPr lang="ko-KR" altLang="en-US" dirty="0"/>
               <a:t>라면 </a:t>
             </a:r>
             <a:r>
-              <a:rPr lang="en-US" altLang="ko-KR" dirty="0" smtClean="0"/>
+              <a:rPr lang="en-US" altLang="ko-KR" dirty="0"/>
               <a:t>“You win!” </a:t>
             </a:r>
             <a:r>
-              <a:rPr lang="ko-KR" altLang="en-US" dirty="0" smtClean="0"/>
+              <a:rPr lang="ko-KR" altLang="en-US" dirty="0"/>
               <a:t>출력</a:t>
             </a:r>
-            <a:endParaRPr lang="en-US" altLang="ko-KR" dirty="0" smtClean="0"/>
+            <a:endParaRPr lang="en-US" altLang="ko-KR" dirty="0"/>
           </a:p>
           <a:p>
             <a:pPr marL="342900" indent="-342900">
               <a:buAutoNum type="arabicPeriod"/>
             </a:pPr>
             <a:r>
-              <a:rPr lang="en-US" altLang="ko-KR" dirty="0" smtClean="0"/>
+              <a:rPr lang="en-US" altLang="ko-KR" dirty="0"/>
               <a:t>5</a:t>
             </a:r>
             <a:r>
-              <a:rPr lang="ko-KR" altLang="en-US" dirty="0" smtClean="0"/>
+              <a:rPr lang="ko-KR" altLang="en-US" dirty="0"/>
               <a:t>가 아니고 </a:t>
             </a:r>
             <a:r>
-              <a:rPr lang="en-US" altLang="ko-KR" dirty="0" smtClean="0"/>
+              <a:rPr lang="en-US" altLang="ko-KR" dirty="0"/>
               <a:t>guess</a:t>
             </a:r>
             <a:r>
-              <a:rPr lang="ko-KR" altLang="en-US" dirty="0" smtClean="0"/>
+              <a:rPr lang="ko-KR" altLang="en-US" dirty="0"/>
               <a:t>가 5보다 크다면 </a:t>
             </a:r>
             <a:r>
-              <a:rPr lang="en-US" altLang="ko-KR" dirty="0" smtClean="0"/>
+              <a:rPr lang="en-US" altLang="ko-KR" dirty="0"/>
               <a:t>“Too high” </a:t>
             </a:r>
             <a:r>
-              <a:rPr lang="ko-KR" altLang="en-US" dirty="0" smtClean="0"/>
+              <a:rPr lang="ko-KR" altLang="en-US" dirty="0"/>
               <a:t>출력 후 </a:t>
             </a:r>
             <a:r>
-              <a:rPr lang="en-US" altLang="ko-KR" dirty="0" smtClean="0"/>
+              <a:rPr lang="en-US" altLang="ko-KR" dirty="0"/>
               <a:t>1</a:t>
             </a:r>
             <a:r>
-              <a:rPr lang="ko-KR" altLang="en-US" dirty="0" smtClean="0"/>
+              <a:rPr lang="ko-KR" altLang="en-US" dirty="0"/>
               <a:t>번부터 다시 시작</a:t>
             </a:r>
-            <a:endParaRPr lang="en-US" altLang="ko-KR" dirty="0" smtClean="0"/>
+            <a:endParaRPr lang="en-US" altLang="ko-KR" dirty="0"/>
           </a:p>
           <a:p>
             <a:pPr marL="342900" indent="-342900">
@@ -8588,47 +8421,38 @@
             </a:r>
             <a:r>
               <a:rPr lang="ko-KR" altLang="en-US" dirty="0"/>
-              <a:t>가 5보다 </a:t>
-            </a:r>
-            <a:r>
-              <a:rPr lang="ko-KR" altLang="en-US" dirty="0" smtClean="0"/>
-              <a:t>작다면 </a:t>
-            </a:r>
-            <a:r>
-              <a:rPr lang="en-US" altLang="ko-KR" dirty="0"/>
-              <a:t>“Too </a:t>
-            </a:r>
-            <a:r>
-              <a:rPr lang="en-US" altLang="ko-KR" dirty="0" smtClean="0"/>
-              <a:t>low” </a:t>
-            </a:r>
-            <a:r>
-              <a:rPr lang="ko-KR" altLang="en-US" dirty="0" smtClean="0"/>
+              <a:t>가 5보다 작다면 </a:t>
+            </a:r>
+            <a:r>
+              <a:rPr lang="en-US" altLang="ko-KR" dirty="0"/>
+              <a:t>“Too low” </a:t>
+            </a:r>
+            <a:r>
+              <a:rPr lang="ko-KR" altLang="en-US" dirty="0"/>
               <a:t>출력 후 </a:t>
             </a:r>
             <a:r>
-              <a:rPr lang="en-US" altLang="ko-KR" dirty="0" smtClean="0"/>
+              <a:rPr lang="en-US" altLang="ko-KR" dirty="0"/>
               <a:t>1</a:t>
             </a:r>
             <a:r>
-              <a:rPr lang="ko-KR" altLang="en-US" dirty="0" smtClean="0"/>
+              <a:rPr lang="ko-KR" altLang="en-US" dirty="0"/>
               <a:t>번부터 다시 시작</a:t>
             </a:r>
-            <a:endParaRPr lang="en-US" altLang="ko-KR" dirty="0" smtClean="0"/>
+            <a:endParaRPr lang="en-US" altLang="ko-KR" dirty="0"/>
           </a:p>
           <a:p>
             <a:pPr marL="342900" indent="-342900">
               <a:buAutoNum type="arabicPeriod"/>
             </a:pPr>
             <a:r>
-              <a:rPr lang="en-US" altLang="ko-KR" dirty="0" smtClean="0"/>
+              <a:rPr lang="en-US" altLang="ko-KR" dirty="0"/>
               <a:t>“Game over!“ </a:t>
             </a:r>
             <a:r>
-              <a:rPr lang="ko-KR" altLang="en-US" dirty="0" smtClean="0"/>
+              <a:rPr lang="ko-KR" altLang="en-US" dirty="0"/>
               <a:t>출력 후 프로그램 종료</a:t>
             </a:r>
-            <a:endParaRPr lang="ko-KR" altLang="en-US" dirty="0"/>
           </a:p>
         </p:txBody>
       </p:sp>
@@ -8655,18 +8479,17 @@
           <a:lstStyle/>
           <a:p>
             <a:r>
-              <a:rPr lang="en-US" altLang="ko-KR" dirty="0" smtClean="0"/>
+              <a:rPr lang="en-US" altLang="ko-KR" dirty="0"/>
               <a:t>&lt;</a:t>
             </a:r>
             <a:r>
-              <a:rPr lang="ko-KR" altLang="en-US" dirty="0" smtClean="0"/>
+              <a:rPr lang="ko-KR" altLang="en-US" dirty="0"/>
               <a:t>설명</a:t>
             </a:r>
             <a:r>
-              <a:rPr lang="en-US" altLang="ko-KR" dirty="0" smtClean="0"/>
+              <a:rPr lang="en-US" altLang="ko-KR" dirty="0"/>
               <a:t>&gt;</a:t>
             </a:r>
-            <a:endParaRPr lang="en-US" altLang="ko-KR" dirty="0"/>
           </a:p>
           <a:p>
             <a:endParaRPr lang="ko-KR" altLang="en-US" dirty="0"/>
@@ -8743,13 +8566,6 @@
   <p:clrMapOvr>
     <a:masterClrMapping/>
   </p:clrMapOvr>
-  <p:timing>
-    <p:tnLst>
-      <p:par>
-        <p:cTn id="1" dur="indefinite" restart="never" nodeType="tmRoot"/>
-      </p:par>
-    </p:tnLst>
-  </p:timing>
 </p:sld>
 </file>
 
@@ -8786,11 +8602,11 @@
           <a:lstStyle/>
           <a:p>
             <a:r>
-              <a:rPr lang="ko-KR" altLang="en-US" dirty="0" smtClean="0"/>
+              <a:rPr lang="ko-KR" altLang="en-US" dirty="0"/>
               <a:t>실습 </a:t>
             </a:r>
             <a:r>
-              <a:rPr lang="en-US" altLang="ko-KR" dirty="0" smtClean="0"/>
+              <a:rPr lang="en-US" altLang="ko-KR" dirty="0"/>
               <a:t>5</a:t>
             </a:r>
             <a:endParaRPr lang="ko-KR" altLang="en-US" dirty="0"/>
@@ -8820,15 +8636,15 @@
           <a:lstStyle/>
           <a:p>
             <a:r>
-              <a:rPr lang="en-US" altLang="ko-KR" dirty="0" smtClean="0"/>
+              <a:rPr lang="en-US" altLang="ko-KR" dirty="0"/>
               <a:t>&lt;</a:t>
             </a:r>
             <a:r>
-              <a:rPr lang="ko-KR" altLang="en-US" dirty="0" smtClean="0"/>
+              <a:rPr lang="ko-KR" altLang="en-US" dirty="0"/>
               <a:t>실행 결과</a:t>
             </a:r>
             <a:r>
-              <a:rPr lang="en-US" altLang="ko-KR" dirty="0" smtClean="0"/>
+              <a:rPr lang="en-US" altLang="ko-KR" dirty="0"/>
               <a:t>&gt;</a:t>
             </a:r>
             <a:endParaRPr lang="ko-KR" altLang="en-US" dirty="0"/>
@@ -8858,15 +8674,15 @@
           <a:lstStyle/>
           <a:p>
             <a:r>
-              <a:rPr lang="en-US" altLang="ko-KR" dirty="0" smtClean="0"/>
+              <a:rPr lang="en-US" altLang="ko-KR" dirty="0"/>
               <a:t>&lt;</a:t>
             </a:r>
             <a:r>
-              <a:rPr lang="ko-KR" altLang="en-US" dirty="0" smtClean="0"/>
+              <a:rPr lang="ko-KR" altLang="en-US" dirty="0"/>
               <a:t>소스 코드</a:t>
             </a:r>
             <a:r>
-              <a:rPr lang="en-US" altLang="ko-KR" dirty="0" smtClean="0"/>
+              <a:rPr lang="en-US" altLang="ko-KR" dirty="0"/>
               <a:t>&gt;</a:t>
             </a:r>
             <a:endParaRPr lang="ko-KR" altLang="en-US" dirty="0"/>
@@ -8899,26 +8715,26 @@
               <a:buAutoNum type="arabicPeriod"/>
             </a:pPr>
             <a:r>
-              <a:rPr lang="en-US" altLang="ko-KR" dirty="0" smtClean="0"/>
+              <a:rPr lang="en-US" altLang="ko-KR" dirty="0"/>
               <a:t>random </a:t>
             </a:r>
             <a:r>
-              <a:rPr lang="ko-KR" altLang="en-US" dirty="0" smtClean="0"/>
+              <a:rPr lang="ko-KR" altLang="en-US" dirty="0"/>
               <a:t>모듈에서 </a:t>
             </a:r>
             <a:r>
-              <a:rPr lang="en-US" altLang="ko-KR" dirty="0" err="1" smtClean="0"/>
+              <a:rPr lang="en-US" altLang="ko-KR" dirty="0" err="1"/>
               <a:t>randint</a:t>
             </a:r>
             <a:r>
-              <a:rPr lang="en-US" altLang="ko-KR" dirty="0" smtClean="0"/>
+              <a:rPr lang="en-US" altLang="ko-KR" dirty="0"/>
               <a:t> </a:t>
             </a:r>
             <a:r>
-              <a:rPr lang="ko-KR" altLang="en-US" dirty="0" smtClean="0"/>
+              <a:rPr lang="ko-KR" altLang="en-US" dirty="0"/>
               <a:t>함수를 사용할 수 있게 함</a:t>
             </a:r>
-            <a:endParaRPr lang="en-US" altLang="ko-KR" dirty="0" smtClean="0"/>
+            <a:endParaRPr lang="en-US" altLang="ko-KR" dirty="0"/>
           </a:p>
           <a:p>
             <a:pPr marL="342900" indent="-342900">
@@ -8926,150 +8742,146 @@
             </a:pPr>
             <a:r>
               <a:rPr lang="en-US" altLang="ko-KR" dirty="0" err="1"/>
-              <a:t>r</a:t>
-            </a:r>
-            <a:r>
-              <a:rPr lang="en-US" altLang="ko-KR" dirty="0" err="1" smtClean="0"/>
-              <a:t>andint</a:t>
-            </a:r>
-            <a:r>
-              <a:rPr lang="en-US" altLang="ko-KR" dirty="0" smtClean="0"/>
+              <a:t>randint</a:t>
+            </a:r>
+            <a:r>
+              <a:rPr lang="en-US" altLang="ko-KR" dirty="0"/>
               <a:t> </a:t>
             </a:r>
             <a:r>
-              <a:rPr lang="ko-KR" altLang="en-US" dirty="0" smtClean="0"/>
+              <a:rPr lang="ko-KR" altLang="en-US" dirty="0"/>
               <a:t>함수를 사용하여 </a:t>
             </a:r>
             <a:r>
-              <a:rPr lang="en-US" altLang="ko-KR" dirty="0" smtClean="0"/>
+              <a:rPr lang="en-US" altLang="ko-KR" dirty="0"/>
               <a:t>1~100 </a:t>
             </a:r>
             <a:r>
-              <a:rPr lang="ko-KR" altLang="en-US" dirty="0" smtClean="0"/>
+              <a:rPr lang="ko-KR" altLang="en-US" dirty="0"/>
               <a:t>중 랜덤으로 얻어온 정수를 </a:t>
             </a:r>
             <a:r>
-              <a:rPr lang="en-US" altLang="ko-KR" dirty="0" smtClean="0"/>
+              <a:rPr lang="en-US" altLang="ko-KR" dirty="0"/>
               <a:t>secret</a:t>
             </a:r>
             <a:r>
-              <a:rPr lang="ko-KR" altLang="en-US" dirty="0" smtClean="0"/>
+              <a:rPr lang="ko-KR" altLang="en-US" dirty="0"/>
               <a:t>에 대입</a:t>
             </a:r>
-            <a:endParaRPr lang="en-US" altLang="ko-KR" dirty="0" smtClean="0"/>
+            <a:endParaRPr lang="en-US" altLang="ko-KR" dirty="0"/>
           </a:p>
           <a:p>
             <a:pPr marL="342900" indent="-342900">
               <a:buAutoNum type="arabicPeriod"/>
             </a:pPr>
             <a:r>
-              <a:rPr lang="en-US" altLang="ko-KR" dirty="0" smtClean="0"/>
+              <a:rPr lang="en-US" altLang="ko-KR" dirty="0"/>
               <a:t>guess(</a:t>
             </a:r>
             <a:r>
-              <a:rPr lang="ko-KR" altLang="en-US" dirty="0" smtClean="0"/>
+              <a:rPr lang="ko-KR" altLang="en-US" dirty="0"/>
               <a:t>초기 값</a:t>
             </a:r>
             <a:r>
-              <a:rPr lang="en-US" altLang="ko-KR" dirty="0" smtClean="0"/>
+              <a:rPr lang="en-US" altLang="ko-KR" dirty="0"/>
               <a:t>: 0)</a:t>
             </a:r>
             <a:r>
-              <a:rPr lang="ko-KR" altLang="en-US" dirty="0" smtClean="0"/>
+              <a:rPr lang="ko-KR" altLang="en-US" dirty="0"/>
               <a:t>의 값이 </a:t>
             </a:r>
             <a:r>
-              <a:rPr lang="en-US" altLang="ko-KR" dirty="0" smtClean="0"/>
+              <a:rPr lang="en-US" altLang="ko-KR" dirty="0"/>
               <a:t>secret</a:t>
             </a:r>
             <a:r>
-              <a:rPr lang="ko-KR" altLang="en-US" dirty="0" smtClean="0"/>
+              <a:rPr lang="ko-KR" altLang="en-US" dirty="0"/>
               <a:t>이 아니라면 </a:t>
             </a:r>
             <a:r>
-              <a:rPr lang="en-US" altLang="ko-KR" dirty="0" smtClean="0"/>
+              <a:rPr lang="en-US" altLang="ko-KR" dirty="0"/>
               <a:t>Loop </a:t>
             </a:r>
             <a:r>
-              <a:rPr lang="ko-KR" altLang="en-US" dirty="0" smtClean="0"/>
+              <a:rPr lang="ko-KR" altLang="en-US" dirty="0"/>
               <a:t>진입</a:t>
             </a:r>
-            <a:endParaRPr lang="en-US" altLang="ko-KR" dirty="0" smtClean="0"/>
+            <a:endParaRPr lang="en-US" altLang="ko-KR" dirty="0"/>
           </a:p>
           <a:p>
             <a:pPr marL="342900" indent="-342900">
               <a:buAutoNum type="arabicPeriod"/>
             </a:pPr>
             <a:r>
-              <a:rPr lang="ko-KR" altLang="en-US" dirty="0" smtClean="0"/>
+              <a:rPr lang="ko-KR" altLang="en-US" dirty="0"/>
               <a:t>입력</a:t>
             </a:r>
             <a:r>
-              <a:rPr lang="en-US" altLang="ko-KR" dirty="0" smtClean="0"/>
+              <a:rPr lang="en-US" altLang="ko-KR" dirty="0"/>
               <a:t> -&gt; </a:t>
             </a:r>
             <a:r>
-              <a:rPr lang="ko-KR" altLang="en-US" dirty="0" smtClean="0"/>
+              <a:rPr lang="ko-KR" altLang="en-US" dirty="0"/>
               <a:t>정수로 변환 </a:t>
             </a:r>
             <a:r>
-              <a:rPr lang="en-US" altLang="ko-KR" dirty="0" smtClean="0"/>
+              <a:rPr lang="en-US" altLang="ko-KR" dirty="0"/>
               <a:t>-&gt; guess</a:t>
             </a:r>
             <a:r>
-              <a:rPr lang="ko-KR" altLang="en-US" dirty="0" smtClean="0"/>
+              <a:rPr lang="ko-KR" altLang="en-US" dirty="0"/>
               <a:t>에 대입</a:t>
             </a:r>
-            <a:endParaRPr lang="en-US" altLang="ko-KR" dirty="0" smtClean="0"/>
+            <a:endParaRPr lang="en-US" altLang="ko-KR" dirty="0"/>
           </a:p>
           <a:p>
             <a:pPr marL="342900" indent="-342900">
               <a:buAutoNum type="arabicPeriod"/>
             </a:pPr>
             <a:r>
-              <a:rPr lang="en-US" altLang="ko-KR" dirty="0" smtClean="0"/>
+              <a:rPr lang="en-US" altLang="ko-KR" dirty="0"/>
               <a:t>guess</a:t>
             </a:r>
             <a:r>
-              <a:rPr lang="ko-KR" altLang="en-US" dirty="0" smtClean="0"/>
+              <a:rPr lang="ko-KR" altLang="en-US" dirty="0"/>
               <a:t>가 </a:t>
             </a:r>
             <a:r>
-              <a:rPr lang="en-US" altLang="ko-KR" dirty="0" smtClean="0"/>
+              <a:rPr lang="en-US" altLang="ko-KR" dirty="0"/>
               <a:t>secret</a:t>
             </a:r>
             <a:r>
-              <a:rPr lang="ko-KR" altLang="en-US" dirty="0" smtClean="0"/>
+              <a:rPr lang="ko-KR" altLang="en-US" dirty="0"/>
               <a:t>이라면 </a:t>
             </a:r>
             <a:r>
-              <a:rPr lang="en-US" altLang="ko-KR" dirty="0" smtClean="0"/>
+              <a:rPr lang="en-US" altLang="ko-KR" dirty="0"/>
               <a:t>“You win!” </a:t>
             </a:r>
             <a:r>
-              <a:rPr lang="ko-KR" altLang="en-US" dirty="0" smtClean="0"/>
+              <a:rPr lang="ko-KR" altLang="en-US" dirty="0"/>
               <a:t>출력</a:t>
             </a:r>
-            <a:endParaRPr lang="en-US" altLang="ko-KR" dirty="0" smtClean="0"/>
+            <a:endParaRPr lang="en-US" altLang="ko-KR" dirty="0"/>
           </a:p>
           <a:p>
             <a:pPr marL="342900" indent="-342900">
               <a:buAutoNum type="arabicPeriod"/>
             </a:pPr>
             <a:r>
-              <a:rPr lang="en-US" altLang="ko-KR" dirty="0" smtClean="0"/>
+              <a:rPr lang="en-US" altLang="ko-KR" dirty="0"/>
               <a:t>5</a:t>
             </a:r>
             <a:r>
-              <a:rPr lang="ko-KR" altLang="en-US" dirty="0" smtClean="0"/>
+              <a:rPr lang="ko-KR" altLang="en-US" dirty="0"/>
               <a:t>가 아니고 </a:t>
             </a:r>
             <a:r>
-              <a:rPr lang="en-US" altLang="ko-KR" dirty="0" smtClean="0"/>
+              <a:rPr lang="en-US" altLang="ko-KR" dirty="0"/>
               <a:t>guess</a:t>
             </a:r>
             <a:r>
-              <a:rPr lang="ko-KR" altLang="en-US" dirty="0" smtClean="0"/>
+              <a:rPr lang="ko-KR" altLang="en-US" dirty="0"/>
               <a:t>가 </a:t>
             </a:r>
             <a:r>
@@ -9077,26 +8889,26 @@
               <a:t>secret </a:t>
             </a:r>
             <a:r>
-              <a:rPr lang="ko-KR" altLang="en-US" dirty="0" smtClean="0"/>
+              <a:rPr lang="ko-KR" altLang="en-US" dirty="0"/>
               <a:t>보다 크다면 </a:t>
             </a:r>
             <a:r>
-              <a:rPr lang="en-US" altLang="ko-KR" dirty="0" smtClean="0"/>
+              <a:rPr lang="en-US" altLang="ko-KR" dirty="0"/>
               <a:t>“Too high” </a:t>
             </a:r>
             <a:r>
-              <a:rPr lang="ko-KR" altLang="en-US" dirty="0" smtClean="0"/>
+              <a:rPr lang="ko-KR" altLang="en-US" dirty="0"/>
               <a:t>출력 후 </a:t>
             </a:r>
             <a:r>
-              <a:rPr lang="en-US" altLang="ko-KR" dirty="0" smtClean="0"/>
+              <a:rPr lang="en-US" altLang="ko-KR" dirty="0"/>
               <a:t>1</a:t>
             </a:r>
             <a:r>
-              <a:rPr lang="ko-KR" altLang="en-US" dirty="0" smtClean="0"/>
+              <a:rPr lang="ko-KR" altLang="en-US" dirty="0"/>
               <a:t>번부터 다시 시작</a:t>
             </a:r>
-            <a:endParaRPr lang="en-US" altLang="ko-KR" dirty="0" smtClean="0"/>
+            <a:endParaRPr lang="en-US" altLang="ko-KR" dirty="0"/>
           </a:p>
           <a:p>
             <a:pPr marL="342900" indent="-342900">
@@ -9124,44 +8936,39 @@
               <a:t>secret </a:t>
             </a:r>
             <a:r>
-              <a:rPr lang="ko-KR" altLang="en-US" dirty="0" smtClean="0"/>
+              <a:rPr lang="ko-KR" altLang="en-US" dirty="0"/>
               <a:t>보다 작다면 </a:t>
             </a:r>
             <a:r>
               <a:rPr lang="en-US" altLang="ko-KR" dirty="0"/>
-              <a:t>“Too </a:t>
-            </a:r>
-            <a:r>
-              <a:rPr lang="en-US" altLang="ko-KR" dirty="0" smtClean="0"/>
-              <a:t>low” </a:t>
-            </a:r>
-            <a:r>
-              <a:rPr lang="ko-KR" altLang="en-US" dirty="0" smtClean="0"/>
+              <a:t>“Too low” </a:t>
+            </a:r>
+            <a:r>
+              <a:rPr lang="ko-KR" altLang="en-US" dirty="0"/>
               <a:t>출력 후 </a:t>
             </a:r>
             <a:r>
-              <a:rPr lang="en-US" altLang="ko-KR" dirty="0" smtClean="0"/>
+              <a:rPr lang="en-US" altLang="ko-KR" dirty="0"/>
               <a:t>1</a:t>
             </a:r>
             <a:r>
-              <a:rPr lang="ko-KR" altLang="en-US" dirty="0" smtClean="0"/>
+              <a:rPr lang="ko-KR" altLang="en-US" dirty="0"/>
               <a:t>번부터 다시 시작</a:t>
             </a:r>
-            <a:endParaRPr lang="en-US" altLang="ko-KR" dirty="0" smtClean="0"/>
+            <a:endParaRPr lang="en-US" altLang="ko-KR" dirty="0"/>
           </a:p>
           <a:p>
             <a:pPr marL="342900" indent="-342900">
               <a:buAutoNum type="arabicPeriod"/>
             </a:pPr>
             <a:r>
-              <a:rPr lang="en-US" altLang="ko-KR" dirty="0" smtClean="0"/>
+              <a:rPr lang="en-US" altLang="ko-KR" dirty="0"/>
               <a:t>“Game over!“ </a:t>
             </a:r>
             <a:r>
-              <a:rPr lang="ko-KR" altLang="en-US" dirty="0" smtClean="0"/>
+              <a:rPr lang="ko-KR" altLang="en-US" dirty="0"/>
               <a:t>출력 후 프로그램 종료</a:t>
             </a:r>
-            <a:endParaRPr lang="ko-KR" altLang="en-US" dirty="0"/>
           </a:p>
         </p:txBody>
       </p:sp>
@@ -9188,18 +8995,17 @@
           <a:lstStyle/>
           <a:p>
             <a:r>
-              <a:rPr lang="en-US" altLang="ko-KR" dirty="0" smtClean="0"/>
+              <a:rPr lang="en-US" altLang="ko-KR" dirty="0"/>
               <a:t>&lt;</a:t>
             </a:r>
             <a:r>
-              <a:rPr lang="ko-KR" altLang="en-US" dirty="0" smtClean="0"/>
+              <a:rPr lang="ko-KR" altLang="en-US" dirty="0"/>
               <a:t>설명</a:t>
             </a:r>
             <a:r>
-              <a:rPr lang="en-US" altLang="ko-KR" dirty="0" smtClean="0"/>
+              <a:rPr lang="en-US" altLang="ko-KR" dirty="0"/>
               <a:t>&gt;</a:t>
             </a:r>
-            <a:endParaRPr lang="en-US" altLang="ko-KR" dirty="0"/>
           </a:p>
           <a:p>
             <a:endParaRPr lang="ko-KR" altLang="en-US" dirty="0"/>
@@ -9276,13 +9082,6 @@
   <p:clrMapOvr>
     <a:masterClrMapping/>
   </p:clrMapOvr>
-  <p:timing>
-    <p:tnLst>
-      <p:par>
-        <p:cTn id="1" dur="indefinite" restart="never" nodeType="tmRoot"/>
-      </p:par>
-    </p:tnLst>
-  </p:timing>
 </p:sld>
 </file>
 
@@ -9319,11 +9118,11 @@
           <a:lstStyle/>
           <a:p>
             <a:r>
-              <a:rPr lang="ko-KR" altLang="en-US" dirty="0" smtClean="0"/>
+              <a:rPr lang="ko-KR" altLang="en-US" dirty="0"/>
               <a:t>과제 </a:t>
             </a:r>
             <a:r>
-              <a:rPr lang="en-US" altLang="ko-KR" dirty="0" smtClean="0"/>
+              <a:rPr lang="en-US" altLang="ko-KR" dirty="0"/>
               <a:t>1</a:t>
             </a:r>
             <a:endParaRPr lang="ko-KR" altLang="en-US" dirty="0"/>
@@ -9413,15 +9212,15 @@
           <a:lstStyle/>
           <a:p>
             <a:r>
-              <a:rPr lang="en-US" altLang="ko-KR" dirty="0" smtClean="0"/>
+              <a:rPr lang="en-US" altLang="ko-KR" dirty="0"/>
               <a:t>&lt;</a:t>
             </a:r>
             <a:r>
-              <a:rPr lang="ko-KR" altLang="en-US" dirty="0" smtClean="0"/>
+              <a:rPr lang="ko-KR" altLang="en-US" dirty="0"/>
               <a:t>실행 결과</a:t>
             </a:r>
             <a:r>
-              <a:rPr lang="en-US" altLang="ko-KR" dirty="0" smtClean="0"/>
+              <a:rPr lang="en-US" altLang="ko-KR" dirty="0"/>
               <a:t>&gt;</a:t>
             </a:r>
             <a:endParaRPr lang="ko-KR" altLang="en-US" dirty="0"/>
@@ -9451,15 +9250,15 @@
           <a:lstStyle/>
           <a:p>
             <a:r>
-              <a:rPr lang="en-US" altLang="ko-KR" dirty="0" smtClean="0"/>
+              <a:rPr lang="en-US" altLang="ko-KR" dirty="0"/>
               <a:t>&lt;</a:t>
             </a:r>
             <a:r>
-              <a:rPr lang="ko-KR" altLang="en-US" dirty="0" smtClean="0"/>
+              <a:rPr lang="ko-KR" altLang="en-US" dirty="0"/>
               <a:t>소스 코드</a:t>
             </a:r>
             <a:r>
-              <a:rPr lang="en-US" altLang="ko-KR" dirty="0" smtClean="0"/>
+              <a:rPr lang="en-US" altLang="ko-KR" dirty="0"/>
               <a:t>&gt;</a:t>
             </a:r>
             <a:endParaRPr lang="ko-KR" altLang="en-US" dirty="0"/>
@@ -9492,47 +9291,47 @@
               <a:buAutoNum type="arabicPeriod"/>
             </a:pPr>
             <a:r>
-              <a:rPr lang="ko-KR" altLang="en-US" dirty="0" smtClean="0"/>
+              <a:rPr lang="ko-KR" altLang="en-US" dirty="0"/>
               <a:t>초기 변수로 </a:t>
             </a:r>
             <a:r>
-              <a:rPr lang="en-US" altLang="ko-KR" dirty="0" err="1" smtClean="0"/>
+              <a:rPr lang="en-US" altLang="ko-KR" dirty="0" err="1"/>
               <a:t>evenSum</a:t>
             </a:r>
             <a:r>
-              <a:rPr lang="en-US" altLang="ko-KR" dirty="0" smtClean="0"/>
+              <a:rPr lang="en-US" altLang="ko-KR" dirty="0"/>
               <a:t>, </a:t>
             </a:r>
             <a:r>
-              <a:rPr lang="en-US" altLang="ko-KR" dirty="0" err="1" smtClean="0"/>
+              <a:rPr lang="en-US" altLang="ko-KR" dirty="0" err="1"/>
               <a:t>oddSum</a:t>
             </a:r>
             <a:r>
-              <a:rPr lang="en-US" altLang="ko-KR" dirty="0" smtClean="0"/>
+              <a:rPr lang="en-US" altLang="ko-KR" dirty="0"/>
               <a:t> </a:t>
             </a:r>
             <a:r>
-              <a:rPr lang="ko-KR" altLang="en-US" dirty="0" smtClean="0"/>
+              <a:rPr lang="ko-KR" altLang="en-US" dirty="0"/>
               <a:t>선언 </a:t>
             </a:r>
             <a:r>
-              <a:rPr lang="en-US" altLang="ko-KR" dirty="0" smtClean="0"/>
+              <a:rPr lang="en-US" altLang="ko-KR" dirty="0"/>
               <a:t>(</a:t>
             </a:r>
             <a:r>
-              <a:rPr lang="ko-KR" altLang="en-US" dirty="0" smtClean="0"/>
+              <a:rPr lang="ko-KR" altLang="en-US" dirty="0"/>
               <a:t>초기 값</a:t>
             </a:r>
             <a:r>
-              <a:rPr lang="en-US" altLang="ko-KR" dirty="0" smtClean="0"/>
+              <a:rPr lang="en-US" altLang="ko-KR" dirty="0"/>
               <a:t>:</a:t>
             </a:r>
             <a:r>
-              <a:rPr lang="ko-KR" altLang="en-US" dirty="0" smtClean="0"/>
+              <a:rPr lang="ko-KR" altLang="en-US" dirty="0"/>
               <a:t> </a:t>
             </a:r>
             <a:r>
-              <a:rPr lang="en-US" altLang="ko-KR" dirty="0" smtClean="0"/>
+              <a:rPr lang="en-US" altLang="ko-KR" dirty="0"/>
               <a:t>0)</a:t>
             </a:r>
           </a:p>
@@ -9541,129 +9340,128 @@
               <a:buAutoNum type="arabicPeriod"/>
             </a:pPr>
             <a:r>
-              <a:rPr lang="en-US" altLang="ko-KR" dirty="0" smtClean="0"/>
+              <a:rPr lang="en-US" altLang="ko-KR" dirty="0"/>
               <a:t>range(1, 101) </a:t>
             </a:r>
             <a:r>
-              <a:rPr lang="ko-KR" altLang="en-US" dirty="0" smtClean="0"/>
+              <a:rPr lang="ko-KR" altLang="en-US" dirty="0"/>
               <a:t>함수를 사용하여 </a:t>
             </a:r>
             <a:r>
-              <a:rPr lang="en-US" altLang="ko-KR" dirty="0" err="1" smtClean="0"/>
+              <a:rPr lang="en-US" altLang="ko-KR" dirty="0" err="1"/>
               <a:t>i</a:t>
             </a:r>
             <a:r>
-              <a:rPr lang="ko-KR" altLang="en-US" dirty="0" smtClean="0"/>
+              <a:rPr lang="ko-KR" altLang="en-US" dirty="0"/>
               <a:t>에 </a:t>
             </a:r>
             <a:r>
-              <a:rPr lang="en-US" altLang="ko-KR" dirty="0" smtClean="0"/>
+              <a:rPr lang="en-US" altLang="ko-KR" dirty="0"/>
               <a:t>1 ~ 100</a:t>
             </a:r>
             <a:r>
-              <a:rPr lang="ko-KR" altLang="en-US" dirty="0" smtClean="0"/>
+              <a:rPr lang="ko-KR" altLang="en-US" dirty="0"/>
               <a:t>까지 대입 </a:t>
             </a:r>
             <a:r>
-              <a:rPr lang="en-US" altLang="ko-KR" dirty="0" smtClean="0"/>
+              <a:rPr lang="en-US" altLang="ko-KR" dirty="0"/>
               <a:t>(for loop </a:t>
             </a:r>
             <a:r>
-              <a:rPr lang="ko-KR" altLang="en-US" dirty="0" smtClean="0"/>
+              <a:rPr lang="ko-KR" altLang="en-US" dirty="0"/>
               <a:t>사용</a:t>
             </a:r>
             <a:r>
               <a:rPr lang="en-US" altLang="ko-KR" dirty="0"/>
               <a:t>)</a:t>
             </a:r>
-            <a:endParaRPr lang="en-US" altLang="ko-KR" dirty="0" smtClean="0"/>
           </a:p>
           <a:p>
             <a:pPr marL="342900" indent="-342900">
               <a:buAutoNum type="arabicPeriod"/>
             </a:pPr>
             <a:r>
-              <a:rPr lang="ko-KR" altLang="en-US" dirty="0" smtClean="0"/>
+              <a:rPr lang="ko-KR" altLang="en-US" dirty="0"/>
               <a:t>짝수라면</a:t>
             </a:r>
             <a:r>
-              <a:rPr lang="en-US" altLang="ko-KR" dirty="0" smtClean="0"/>
+              <a:rPr lang="en-US" altLang="ko-KR" dirty="0"/>
               <a:t> </a:t>
             </a:r>
             <a:r>
-              <a:rPr lang="en-US" altLang="ko-KR" dirty="0" err="1" smtClean="0"/>
+              <a:rPr lang="en-US" altLang="ko-KR" dirty="0" err="1"/>
               <a:t>evenSum</a:t>
             </a:r>
             <a:r>
-              <a:rPr lang="ko-KR" altLang="en-US" dirty="0" smtClean="0"/>
+              <a:rPr lang="ko-KR" altLang="en-US" dirty="0"/>
               <a:t>에 </a:t>
             </a:r>
             <a:r>
-              <a:rPr lang="en-US" altLang="ko-KR" dirty="0" err="1" smtClean="0"/>
+              <a:rPr lang="en-US" altLang="ko-KR" dirty="0" err="1"/>
               <a:t>i</a:t>
             </a:r>
             <a:r>
-              <a:rPr lang="ko-KR" altLang="en-US" dirty="0" err="1" smtClean="0"/>
+              <a:rPr lang="ko-KR" altLang="en-US" dirty="0" err="1"/>
               <a:t>를</a:t>
             </a:r>
             <a:r>
-              <a:rPr lang="ko-KR" altLang="en-US" dirty="0" smtClean="0"/>
+              <a:rPr lang="ko-KR" altLang="en-US" dirty="0"/>
               <a:t> 더함</a:t>
             </a:r>
-            <a:endParaRPr lang="en-US" altLang="ko-KR" dirty="0" smtClean="0"/>
+            <a:endParaRPr lang="en-US" altLang="ko-KR" dirty="0"/>
           </a:p>
           <a:p>
             <a:pPr marL="342900" indent="-342900">
               <a:buAutoNum type="arabicPeriod"/>
             </a:pPr>
             <a:r>
-              <a:rPr lang="ko-KR" altLang="en-US" dirty="0" smtClean="0"/>
+              <a:rPr lang="ko-KR" altLang="en-US" dirty="0"/>
               <a:t>홀수라면 </a:t>
             </a:r>
             <a:r>
-              <a:rPr lang="en-US" altLang="ko-KR" dirty="0" err="1" smtClean="0"/>
+              <a:rPr lang="en-US" altLang="ko-KR" dirty="0" err="1"/>
               <a:t>oddSum</a:t>
             </a:r>
             <a:r>
-              <a:rPr lang="ko-KR" altLang="en-US" dirty="0" smtClean="0"/>
+              <a:rPr lang="ko-KR" altLang="en-US" dirty="0"/>
               <a:t>에 </a:t>
             </a:r>
             <a:r>
-              <a:rPr lang="en-US" altLang="ko-KR" dirty="0" err="1" smtClean="0"/>
+              <a:rPr lang="en-US" altLang="ko-KR" dirty="0" err="1"/>
               <a:t>i</a:t>
             </a:r>
             <a:r>
-              <a:rPr lang="ko-KR" altLang="en-US" dirty="0" err="1" smtClean="0"/>
+              <a:rPr lang="ko-KR" altLang="en-US" dirty="0" err="1"/>
               <a:t>를</a:t>
             </a:r>
             <a:r>
-              <a:rPr lang="ko-KR" altLang="en-US" dirty="0" smtClean="0"/>
+              <a:rPr lang="ko-KR" altLang="en-US" dirty="0"/>
               <a:t> 더함</a:t>
             </a:r>
-            <a:endParaRPr lang="en-US" altLang="ko-KR" dirty="0" smtClean="0"/>
+            <a:endParaRPr lang="en-US" altLang="ko-KR" dirty="0"/>
           </a:p>
           <a:p>
             <a:pPr marL="342900" indent="-342900">
               <a:buAutoNum type="arabicPeriod"/>
             </a:pPr>
             <a:r>
-              <a:rPr lang="ko-KR" altLang="en-US" dirty="0" smtClean="0"/>
+              <a:rPr lang="ko-KR" altLang="en-US" dirty="0"/>
               <a:t>짝수</a:t>
             </a:r>
             <a:r>
-              <a:rPr lang="en-US" altLang="ko-KR" dirty="0" smtClean="0"/>
+              <a:rPr lang="en-US" altLang="ko-KR" dirty="0"/>
               <a:t>, </a:t>
             </a:r>
             <a:r>
-              <a:rPr lang="ko-KR" altLang="en-US" dirty="0" smtClean="0"/>
+              <a:rPr lang="ko-KR" altLang="en-US" dirty="0"/>
               <a:t>홀수</a:t>
             </a:r>
             <a:r>
-              <a:rPr lang="en-US" altLang="ko-KR" dirty="0" smtClean="0"/>
+              <a:rPr lang="en-US" altLang="ko-KR" dirty="0"/>
               <a:t>, </a:t>
             </a:r>
             <a:r>
-              <a:rPr lang="ko-KR" altLang="en-US" dirty="0" smtClean="0"/>
+              <a:rPr lang="ko-KR" altLang="en-US" dirty="0"/>
               <a:t>전체 합 출력</a:t>
             </a:r>
             <a:endParaRPr lang="en-US" altLang="ko-KR" dirty="0"/>
@@ -9693,18 +9491,17 @@
           <a:lstStyle/>
           <a:p>
             <a:r>
-              <a:rPr lang="en-US" altLang="ko-KR" dirty="0" smtClean="0"/>
+              <a:rPr lang="en-US" altLang="ko-KR" dirty="0"/>
               <a:t>&lt;</a:t>
             </a:r>
             <a:r>
-              <a:rPr lang="ko-KR" altLang="en-US" dirty="0" smtClean="0"/>
+              <a:rPr lang="ko-KR" altLang="en-US" dirty="0"/>
               <a:t>설명</a:t>
             </a:r>
             <a:r>
-              <a:rPr lang="en-US" altLang="ko-KR" dirty="0" smtClean="0"/>
+              <a:rPr lang="en-US" altLang="ko-KR" dirty="0"/>
               <a:t>&gt;</a:t>
             </a:r>
-            <a:endParaRPr lang="en-US" altLang="ko-KR" dirty="0"/>
           </a:p>
           <a:p>
             <a:endParaRPr lang="ko-KR" altLang="en-US" dirty="0"/>
@@ -9721,13 +9518,6 @@
   <p:clrMapOvr>
     <a:masterClrMapping/>
   </p:clrMapOvr>
-  <p:timing>
-    <p:tnLst>
-      <p:par>
-        <p:cTn id="1" dur="indefinite" restart="never" nodeType="tmRoot"/>
-      </p:par>
-    </p:tnLst>
-  </p:timing>
 </p:sld>
 </file>
 
@@ -9764,16 +9554,53 @@
           <a:lstStyle/>
           <a:p>
             <a:r>
-              <a:rPr lang="ko-KR" altLang="en-US" dirty="0" smtClean="0"/>
+              <a:rPr lang="ko-KR" altLang="en-US" dirty="0"/>
               <a:t>과제 </a:t>
             </a:r>
             <a:r>
-              <a:rPr lang="en-US" altLang="ko-KR" dirty="0" smtClean="0"/>
+              <a:rPr lang="en-US" altLang="ko-KR" dirty="0"/>
               <a:t>2 – </a:t>
             </a:r>
             <a:r>
-              <a:rPr lang="ko-KR" altLang="en-US" dirty="0" smtClean="0"/>
+              <a:rPr lang="ko-KR" altLang="en-US" dirty="0"/>
               <a:t>전체 코드</a:t>
+            </a:r>
+          </a:p>
+        </p:txBody>
+      </p:sp>
+      <p:sp>
+        <p:nvSpPr>
+          <p:cNvPr id="8" name="TextBox 7"/>
+          <p:cNvSpPr txBox="1"/>
+          <p:nvPr/>
+        </p:nvSpPr>
+        <p:spPr>
+          <a:xfrm>
+            <a:off x="4265377" y="5487437"/>
+            <a:ext cx="1420582" cy="369332"/>
+          </a:xfrm>
+          <a:prstGeom prst="rect">
+            <a:avLst/>
+          </a:prstGeom>
+          <a:noFill/>
+        </p:spPr>
+        <p:txBody>
+          <a:bodyPr wrap="none" rtlCol="0">
+            <a:spAutoFit/>
+          </a:bodyPr>
+          <a:lstStyle/>
+          <a:p>
+            <a:r>
+              <a:rPr lang="en-US" altLang="ko-KR" dirty="0"/>
+              <a:t>&lt;</a:t>
+            </a:r>
+            <a:r>
+              <a:rPr lang="ko-KR" altLang="en-US" dirty="0"/>
+              <a:t>소스 코드</a:t>
+            </a:r>
+            <a:r>
+              <a:rPr lang="en-US" altLang="ko-KR" dirty="0"/>
+              <a:t>&gt;</a:t>
             </a:r>
             <a:endParaRPr lang="ko-KR" altLang="en-US" dirty="0"/>
           </a:p>
@@ -9781,27 +9608,22 @@
       </p:sp>
       <p:pic>
         <p:nvPicPr>
-          <p:cNvPr id="6" name="그림 5"/>
+          <p:cNvPr id="5" name="그림 4"/>
           <p:cNvPicPr>
             <a:picLocks noChangeAspect="1"/>
           </p:cNvPicPr>
           <p:nvPr/>
         </p:nvPicPr>
-        <p:blipFill rotWithShape="1">
-          <a:blip r:embed="rId2">
-            <a:extLst>
-              <a:ext uri="{28A0092B-C50C-407E-A947-70E740481C1C}">
-                <a14:useLocalDpi xmlns:a14="http://schemas.microsoft.com/office/drawing/2010/main" val="0"/>
-              </a:ext>
-            </a:extLst>
-          </a:blip>
-          <a:srcRect r="-347" b="41768"/>
-          <a:stretch/>
+        <p:blipFill>
+          <a:blip r:embed="rId2"/>
+          <a:stretch>
+            <a:fillRect/>
+          </a:stretch>
         </p:blipFill>
         <p:spPr>
           <a:xfrm>
-            <a:off x="2544183" y="1320800"/>
-            <a:ext cx="2708952" cy="3993502"/>
+            <a:off x="2324271" y="1262613"/>
+            <a:ext cx="2561582" cy="4283012"/>
           </a:xfrm>
           <a:prstGeom prst="rect">
             <a:avLst/>
@@ -9810,71 +9632,28 @@
       </p:pic>
       <p:pic>
         <p:nvPicPr>
-          <p:cNvPr id="7" name="그림 6"/>
+          <p:cNvPr id="9" name="그림 8"/>
           <p:cNvPicPr>
             <a:picLocks noChangeAspect="1"/>
           </p:cNvPicPr>
           <p:nvPr/>
         </p:nvPicPr>
-        <p:blipFill rotWithShape="1">
-          <a:blip r:embed="rId2">
-            <a:extLst>
-              <a:ext uri="{28A0092B-C50C-407E-A947-70E740481C1C}">
-                <a14:useLocalDpi xmlns:a14="http://schemas.microsoft.com/office/drawing/2010/main" val="0"/>
-              </a:ext>
-            </a:extLst>
-          </a:blip>
-          <a:srcRect t="58503" r="-6223"/>
-          <a:stretch/>
+        <p:blipFill>
+          <a:blip r:embed="rId3"/>
+          <a:stretch>
+            <a:fillRect/>
+          </a:stretch>
         </p:blipFill>
         <p:spPr>
           <a:xfrm>
-            <a:off x="4885853" y="1320800"/>
-            <a:ext cx="2867572" cy="2845837"/>
+            <a:off x="4750193" y="1760836"/>
+            <a:ext cx="3565194" cy="3286564"/>
           </a:xfrm>
           <a:prstGeom prst="rect">
             <a:avLst/>
           </a:prstGeom>
         </p:spPr>
       </p:pic>
-      <p:sp>
-        <p:nvSpPr>
-          <p:cNvPr id="8" name="TextBox 7"/>
-          <p:cNvSpPr txBox="1"/>
-          <p:nvPr/>
-        </p:nvSpPr>
-        <p:spPr>
-          <a:xfrm>
-            <a:off x="4265377" y="5487437"/>
-            <a:ext cx="1420582" cy="369332"/>
-          </a:xfrm>
-          <a:prstGeom prst="rect">
-            <a:avLst/>
-          </a:prstGeom>
-          <a:noFill/>
-        </p:spPr>
-        <p:txBody>
-          <a:bodyPr wrap="none" rtlCol="0">
-            <a:spAutoFit/>
-          </a:bodyPr>
-          <a:lstStyle/>
-          <a:p>
-            <a:r>
-              <a:rPr lang="en-US" altLang="ko-KR" dirty="0" smtClean="0"/>
-              <a:t>&lt;</a:t>
-            </a:r>
-            <a:r>
-              <a:rPr lang="ko-KR" altLang="en-US" dirty="0" smtClean="0"/>
-              <a:t>소스 코드</a:t>
-            </a:r>
-            <a:r>
-              <a:rPr lang="en-US" altLang="ko-KR" dirty="0" smtClean="0"/>
-              <a:t>&gt;</a:t>
-            </a:r>
-            <a:endParaRPr lang="ko-KR" altLang="en-US" dirty="0"/>
-          </a:p>
-        </p:txBody>
-      </p:sp>
     </p:spTree>
     <p:extLst>
       <p:ext uri="{BB962C8B-B14F-4D97-AF65-F5344CB8AC3E}">
@@ -9885,13 +9664,6 @@
   <p:clrMapOvr>
     <a:masterClrMapping/>
   </p:clrMapOvr>
-  <p:timing>
-    <p:tnLst>
-      <p:par>
-        <p:cTn id="1" dur="indefinite" restart="never" nodeType="tmRoot"/>
-      </p:par>
-    </p:tnLst>
-  </p:timing>
 </p:sld>
 </file>
 
@@ -9928,24 +9700,20 @@
           <a:lstStyle/>
           <a:p>
             <a:r>
-              <a:rPr lang="ko-KR" altLang="en-US" dirty="0" smtClean="0"/>
+              <a:rPr lang="ko-KR" altLang="en-US" dirty="0"/>
               <a:t>과제 </a:t>
             </a:r>
             <a:r>
-              <a:rPr lang="en-US" altLang="ko-KR" dirty="0" smtClean="0"/>
+              <a:rPr lang="en-US" altLang="ko-KR" dirty="0"/>
               <a:t>2 – </a:t>
             </a:r>
             <a:r>
-              <a:rPr lang="ko-KR" altLang="en-US" dirty="0" smtClean="0"/>
+              <a:rPr lang="ko-KR" altLang="en-US" dirty="0"/>
               <a:t>부분 설명</a:t>
             </a:r>
             <a:r>
               <a:rPr lang="en-US" altLang="ko-KR" dirty="0"/>
-              <a:t> </a:t>
-            </a:r>
-            <a:r>
-              <a:rPr lang="en-US" altLang="ko-KR" dirty="0" smtClean="0"/>
-              <a:t>1</a:t>
+              <a:t> 1</a:t>
             </a:r>
             <a:endParaRPr lang="ko-KR" altLang="en-US" dirty="0"/>
           </a:p>
@@ -10034,15 +9802,15 @@
           <a:lstStyle/>
           <a:p>
             <a:r>
-              <a:rPr lang="en-US" altLang="ko-KR" dirty="0" smtClean="0"/>
+              <a:rPr lang="en-US" altLang="ko-KR" dirty="0"/>
               <a:t>&lt;</a:t>
             </a:r>
             <a:r>
-              <a:rPr lang="ko-KR" altLang="en-US" dirty="0" smtClean="0"/>
+              <a:rPr lang="ko-KR" altLang="en-US" dirty="0"/>
               <a:t>소스 코드</a:t>
             </a:r>
             <a:r>
-              <a:rPr lang="en-US" altLang="ko-KR" dirty="0" smtClean="0"/>
+              <a:rPr lang="en-US" altLang="ko-KR" dirty="0"/>
               <a:t>&gt;</a:t>
             </a:r>
             <a:endParaRPr lang="ko-KR" altLang="en-US" dirty="0"/>
@@ -10075,44 +9843,39 @@
               <a:buAutoNum type="arabicPeriod"/>
             </a:pPr>
             <a:r>
-              <a:rPr lang="en-US" altLang="ko-KR" dirty="0" smtClean="0"/>
+              <a:rPr lang="en-US" altLang="ko-KR" dirty="0"/>
               <a:t>UP &amp; DOWN, Bulls and Cows(</a:t>
             </a:r>
             <a:r>
-              <a:rPr lang="ko-KR" altLang="en-US" dirty="0" smtClean="0"/>
+              <a:rPr lang="ko-KR" altLang="en-US" dirty="0"/>
               <a:t>숫자 야구</a:t>
             </a:r>
             <a:r>
-              <a:rPr lang="en-US" altLang="ko-KR" dirty="0" smtClean="0"/>
+              <a:rPr lang="en-US" altLang="ko-KR" dirty="0"/>
               <a:t>)</a:t>
             </a:r>
             <a:r>
-              <a:rPr lang="ko-KR" altLang="en-US" dirty="0" smtClean="0"/>
+              <a:rPr lang="ko-KR" altLang="en-US" dirty="0"/>
               <a:t>에 사용하기 위해 </a:t>
             </a:r>
             <a:r>
-              <a:rPr lang="en-US" altLang="ko-KR" dirty="0" smtClean="0"/>
+              <a:rPr lang="en-US" altLang="ko-KR" dirty="0"/>
               <a:t>random</a:t>
             </a:r>
             <a:r>
               <a:rPr lang="ko-KR" altLang="en-US" dirty="0"/>
-              <a:t> </a:t>
-            </a:r>
-            <a:r>
-              <a:rPr lang="ko-KR" altLang="en-US" dirty="0" smtClean="0"/>
-              <a:t>모듈 사용</a:t>
-            </a:r>
-            <a:endParaRPr lang="en-US" altLang="ko-KR" dirty="0" smtClean="0"/>
+              <a:t> 모듈 사용</a:t>
+            </a:r>
+            <a:endParaRPr lang="en-US" altLang="ko-KR" dirty="0"/>
           </a:p>
           <a:p>
             <a:pPr marL="342900" indent="-342900">
               <a:buAutoNum type="arabicPeriod"/>
             </a:pPr>
             <a:r>
-              <a:rPr lang="ko-KR" altLang="en-US" dirty="0" smtClean="0"/>
+              <a:rPr lang="ko-KR" altLang="en-US" dirty="0"/>
               <a:t>메뉴 선택</a:t>
             </a:r>
-            <a:endParaRPr lang="ko-KR" altLang="en-US" dirty="0"/>
           </a:p>
         </p:txBody>
       </p:sp>
@@ -10139,18 +9902,17 @@
           <a:lstStyle/>
           <a:p>
             <a:r>
-              <a:rPr lang="en-US" altLang="ko-KR" dirty="0" smtClean="0"/>
+              <a:rPr lang="en-US" altLang="ko-KR" dirty="0"/>
               <a:t>&lt;</a:t>
             </a:r>
             <a:r>
-              <a:rPr lang="ko-KR" altLang="en-US" dirty="0" smtClean="0"/>
+              <a:rPr lang="ko-KR" altLang="en-US" dirty="0"/>
               <a:t>설명</a:t>
             </a:r>
             <a:r>
-              <a:rPr lang="en-US" altLang="ko-KR" dirty="0" smtClean="0"/>
+              <a:rPr lang="en-US" altLang="ko-KR" dirty="0"/>
               <a:t>&gt;</a:t>
             </a:r>
-            <a:endParaRPr lang="en-US" altLang="ko-KR" dirty="0"/>
           </a:p>
           <a:p>
             <a:endParaRPr lang="ko-KR" altLang="en-US" dirty="0"/>
@@ -10167,13 +9929,6 @@
   <p:clrMapOvr>
     <a:masterClrMapping/>
   </p:clrMapOvr>
-  <p:timing>
-    <p:tnLst>
-      <p:par>
-        <p:cTn id="1" dur="indefinite" restart="never" nodeType="tmRoot"/>
-      </p:par>
-    </p:tnLst>
-  </p:timing>
 </p:sld>
 </file>
 
